--- a/documentazione/Presentazione fia.pptx
+++ b/documentazione/Presentazione fia.pptx
@@ -112,6 +112,11 @@
       </a:defRPr>
     </a:lvl9pPr>
   </p:defaultTextStyle>
+  <p:extLst>
+    <p:ext uri="{EFAFB233-063F-42B5-8137-9DF3F51BA10A}">
+      <p15:sldGuideLst xmlns:p15="http://schemas.microsoft.com/office/powerpoint/2012/main"/>
+    </p:ext>
+  </p:extLst>
 </p:presentation>
 </file>
 
@@ -303,7 +308,7 @@
           <a:p>
             <a:fld id="{D3007E90-0CF4-4B56-9D2F-9833898221B1}" type="datetimeFigureOut">
               <a:rPr lang="it-IT" smtClean="0"/>
-              <a:t>10/05/2022</a:t>
+              <a:t>17/05/2022</a:t>
             </a:fld>
             <a:endParaRPr lang="it-IT"/>
           </a:p>
@@ -641,7 +646,7 @@
           <a:p>
             <a:fld id="{D3007E90-0CF4-4B56-9D2F-9833898221B1}" type="datetimeFigureOut">
               <a:rPr lang="it-IT" smtClean="0"/>
-              <a:t>10/05/2022</a:t>
+              <a:t>17/05/2022</a:t>
             </a:fld>
             <a:endParaRPr lang="it-IT"/>
           </a:p>
@@ -1042,7 +1047,7 @@
           <a:p>
             <a:fld id="{D3007E90-0CF4-4B56-9D2F-9833898221B1}" type="datetimeFigureOut">
               <a:rPr lang="it-IT" smtClean="0"/>
-              <a:t>10/05/2022</a:t>
+              <a:t>17/05/2022</a:t>
             </a:fld>
             <a:endParaRPr lang="it-IT"/>
           </a:p>
@@ -1378,7 +1383,7 @@
           <a:p>
             <a:fld id="{D3007E90-0CF4-4B56-9D2F-9833898221B1}" type="datetimeFigureOut">
               <a:rPr lang="it-IT" smtClean="0"/>
-              <a:t>10/05/2022</a:t>
+              <a:t>17/05/2022</a:t>
             </a:fld>
             <a:endParaRPr lang="it-IT"/>
           </a:p>
@@ -1698,7 +1703,7 @@
           <a:p>
             <a:fld id="{D3007E90-0CF4-4B56-9D2F-9833898221B1}" type="datetimeFigureOut">
               <a:rPr lang="it-IT" smtClean="0"/>
-              <a:t>10/05/2022</a:t>
+              <a:t>17/05/2022</a:t>
             </a:fld>
             <a:endParaRPr lang="it-IT"/>
           </a:p>
@@ -2094,7 +2099,7 @@
           <a:p>
             <a:fld id="{D3007E90-0CF4-4B56-9D2F-9833898221B1}" type="datetimeFigureOut">
               <a:rPr lang="it-IT" smtClean="0"/>
-              <a:t>10/05/2022</a:t>
+              <a:t>17/05/2022</a:t>
             </a:fld>
             <a:endParaRPr lang="it-IT"/>
           </a:p>
@@ -2351,7 +2356,7 @@
           <a:p>
             <a:fld id="{D3007E90-0CF4-4B56-9D2F-9833898221B1}" type="datetimeFigureOut">
               <a:rPr lang="it-IT" smtClean="0"/>
-              <a:t>10/05/2022</a:t>
+              <a:t>17/05/2022</a:t>
             </a:fld>
             <a:endParaRPr lang="it-IT"/>
           </a:p>
@@ -2613,7 +2618,7 @@
           <a:p>
             <a:fld id="{D3007E90-0CF4-4B56-9D2F-9833898221B1}" type="datetimeFigureOut">
               <a:rPr lang="it-IT" smtClean="0"/>
-              <a:t>10/05/2022</a:t>
+              <a:t>17/05/2022</a:t>
             </a:fld>
             <a:endParaRPr lang="it-IT"/>
           </a:p>
@@ -2875,7 +2880,7 @@
           <a:p>
             <a:fld id="{D3007E90-0CF4-4B56-9D2F-9833898221B1}" type="datetimeFigureOut">
               <a:rPr lang="it-IT" smtClean="0"/>
-              <a:t>10/05/2022</a:t>
+              <a:t>17/05/2022</a:t>
             </a:fld>
             <a:endParaRPr lang="it-IT"/>
           </a:p>
@@ -3204,7 +3209,7 @@
           <a:p>
             <a:fld id="{D3007E90-0CF4-4B56-9D2F-9833898221B1}" type="datetimeFigureOut">
               <a:rPr lang="it-IT" smtClean="0"/>
-              <a:t>10/05/2022</a:t>
+              <a:t>17/05/2022</a:t>
             </a:fld>
             <a:endParaRPr lang="it-IT"/>
           </a:p>
@@ -3527,7 +3532,7 @@
           <a:p>
             <a:fld id="{D3007E90-0CF4-4B56-9D2F-9833898221B1}" type="datetimeFigureOut">
               <a:rPr lang="it-IT" smtClean="0"/>
-              <a:t>10/05/2022</a:t>
+              <a:t>17/05/2022</a:t>
             </a:fld>
             <a:endParaRPr lang="it-IT"/>
           </a:p>
@@ -3984,7 +3989,7 @@
           <a:p>
             <a:fld id="{D3007E90-0CF4-4B56-9D2F-9833898221B1}" type="datetimeFigureOut">
               <a:rPr lang="it-IT" smtClean="0"/>
-              <a:t>10/05/2022</a:t>
+              <a:t>17/05/2022</a:t>
             </a:fld>
             <a:endParaRPr lang="it-IT"/>
           </a:p>
@@ -4189,7 +4194,7 @@
           <a:p>
             <a:fld id="{D3007E90-0CF4-4B56-9D2F-9833898221B1}" type="datetimeFigureOut">
               <a:rPr lang="it-IT" smtClean="0"/>
-              <a:t>10/05/2022</a:t>
+              <a:t>17/05/2022</a:t>
             </a:fld>
             <a:endParaRPr lang="it-IT"/>
           </a:p>
@@ -4366,7 +4371,7 @@
           <a:p>
             <a:fld id="{D3007E90-0CF4-4B56-9D2F-9833898221B1}" type="datetimeFigureOut">
               <a:rPr lang="it-IT" smtClean="0"/>
-              <a:t>10/05/2022</a:t>
+              <a:t>17/05/2022</a:t>
             </a:fld>
             <a:endParaRPr lang="it-IT"/>
           </a:p>
@@ -4699,7 +4704,7 @@
           <a:p>
             <a:fld id="{D3007E90-0CF4-4B56-9D2F-9833898221B1}" type="datetimeFigureOut">
               <a:rPr lang="it-IT" smtClean="0"/>
-              <a:t>10/05/2022</a:t>
+              <a:t>17/05/2022</a:t>
             </a:fld>
             <a:endParaRPr lang="it-IT"/>
           </a:p>
@@ -5044,7 +5049,7 @@
           <a:p>
             <a:fld id="{D3007E90-0CF4-4B56-9D2F-9833898221B1}" type="datetimeFigureOut">
               <a:rPr lang="it-IT" smtClean="0"/>
-              <a:t>10/05/2022</a:t>
+              <a:t>17/05/2022</a:t>
             </a:fld>
             <a:endParaRPr lang="it-IT"/>
           </a:p>
@@ -7161,7 +7166,7 @@
           <a:p>
             <a:fld id="{D3007E90-0CF4-4B56-9D2F-9833898221B1}" type="datetimeFigureOut">
               <a:rPr lang="it-IT" smtClean="0"/>
-              <a:t>10/05/2022</a:t>
+              <a:t>17/05/2022</a:t>
             </a:fld>
             <a:endParaRPr lang="it-IT"/>
           </a:p>
@@ -7791,7 +7796,7 @@
         </p:nvSpPr>
         <p:spPr>
           <a:xfrm>
-            <a:off x="720191" y="3913499"/>
+            <a:off x="645546" y="1678097"/>
             <a:ext cx="3908453" cy="1477328"/>
           </a:xfrm>
           <a:prstGeom prst="rect">
@@ -7889,7 +7894,7 @@
         </p:nvSpPr>
         <p:spPr>
           <a:xfrm>
-            <a:off x="4426344" y="3894269"/>
+            <a:off x="4202409" y="3149498"/>
             <a:ext cx="3633324" cy="1477328"/>
           </a:xfrm>
           <a:prstGeom prst="rect">
@@ -7965,7 +7970,7 @@
         </p:nvSpPr>
         <p:spPr>
           <a:xfrm>
-            <a:off x="8334797" y="3894269"/>
+            <a:off x="7835733" y="4626826"/>
             <a:ext cx="3762797" cy="1754326"/>
           </a:xfrm>
           <a:prstGeom prst="rect">
@@ -8674,15 +8679,7 @@
           <a:p>
             <a:r>
               <a:rPr lang="it-IT" dirty="0"/>
-              <a:t>La rete </a:t>
-            </a:r>
-            <a:r>
-              <a:rPr lang="it-IT" dirty="0" err="1"/>
-              <a:t>convoluzionale</a:t>
-            </a:r>
-            <a:r>
-              <a:rPr lang="it-IT" dirty="0"/>
-              <a:t> è risultato l’algoritmo migliore per questa tipologia di progetto</a:t>
+              <a:t>La rete convoluzionale è risultato l’algoritmo migliore per questa tipologia di progetto</a:t>
             </a:r>
           </a:p>
           <a:p>
@@ -8698,15 +8695,7 @@
             </a:pPr>
             <a:r>
               <a:rPr lang="it-IT" dirty="0"/>
-              <a:t>L’algoritmo CNN è progettato per riconoscere immagini in modo diretto non richiedendo una grande quantità di </a:t>
-            </a:r>
-            <a:r>
-              <a:rPr lang="it-IT" dirty="0" err="1"/>
-              <a:t>preprocessing</a:t>
-            </a:r>
-            <a:r>
-              <a:rPr lang="it-IT" dirty="0"/>
-              <a:t>.</a:t>
+              <a:t>L’algoritmo CNN è progettato per riconoscere immagini in modo diretto non richiedendo una grande quantità di preprocessing.</a:t>
             </a:r>
           </a:p>
           <a:p>
@@ -8869,13 +8858,8 @@
           <a:p>
             <a:r>
               <a:rPr lang="it-IT" dirty="0"/>
-              <a:t> Link </a:t>
-            </a:r>
-            <a:r>
-              <a:rPr lang="it-IT"/>
-              <a:t>dataset originale: </a:t>
-            </a:r>
-            <a:endParaRPr lang="it-IT" dirty="0"/>
+              <a:t> Link dataset originale: </a:t>
+            </a:r>
           </a:p>
         </p:txBody>
       </p:sp>

--- a/documentazione/Presentazione fia.pptx
+++ b/documentazione/Presentazione fia.pptx
@@ -13,7 +13,9 @@
     <p:sldId id="261" r:id="rId7"/>
     <p:sldId id="262" r:id="rId8"/>
     <p:sldId id="263" r:id="rId9"/>
-    <p:sldId id="264" r:id="rId10"/>
+    <p:sldId id="266" r:id="rId10"/>
+    <p:sldId id="264" r:id="rId11"/>
+    <p:sldId id="265" r:id="rId12"/>
   </p:sldIdLst>
   <p:sldSz cx="12192000" cy="6858000"/>
   <p:notesSz cx="6858000" cy="9144000"/>
@@ -308,7 +310,7 @@
           <a:p>
             <a:fld id="{D3007E90-0CF4-4B56-9D2F-9833898221B1}" type="datetimeFigureOut">
               <a:rPr lang="it-IT" smtClean="0"/>
-              <a:t>17/05/2022</a:t>
+              <a:t>31/05/2022</a:t>
             </a:fld>
             <a:endParaRPr lang="it-IT"/>
           </a:p>
@@ -646,7 +648,7 @@
           <a:p>
             <a:fld id="{D3007E90-0CF4-4B56-9D2F-9833898221B1}" type="datetimeFigureOut">
               <a:rPr lang="it-IT" smtClean="0"/>
-              <a:t>17/05/2022</a:t>
+              <a:t>31/05/2022</a:t>
             </a:fld>
             <a:endParaRPr lang="it-IT"/>
           </a:p>
@@ -1047,7 +1049,7 @@
           <a:p>
             <a:fld id="{D3007E90-0CF4-4B56-9D2F-9833898221B1}" type="datetimeFigureOut">
               <a:rPr lang="it-IT" smtClean="0"/>
-              <a:t>17/05/2022</a:t>
+              <a:t>31/05/2022</a:t>
             </a:fld>
             <a:endParaRPr lang="it-IT"/>
           </a:p>
@@ -1383,7 +1385,7 @@
           <a:p>
             <a:fld id="{D3007E90-0CF4-4B56-9D2F-9833898221B1}" type="datetimeFigureOut">
               <a:rPr lang="it-IT" smtClean="0"/>
-              <a:t>17/05/2022</a:t>
+              <a:t>31/05/2022</a:t>
             </a:fld>
             <a:endParaRPr lang="it-IT"/>
           </a:p>
@@ -1703,7 +1705,7 @@
           <a:p>
             <a:fld id="{D3007E90-0CF4-4B56-9D2F-9833898221B1}" type="datetimeFigureOut">
               <a:rPr lang="it-IT" smtClean="0"/>
-              <a:t>17/05/2022</a:t>
+              <a:t>31/05/2022</a:t>
             </a:fld>
             <a:endParaRPr lang="it-IT"/>
           </a:p>
@@ -2099,7 +2101,7 @@
           <a:p>
             <a:fld id="{D3007E90-0CF4-4B56-9D2F-9833898221B1}" type="datetimeFigureOut">
               <a:rPr lang="it-IT" smtClean="0"/>
-              <a:t>17/05/2022</a:t>
+              <a:t>31/05/2022</a:t>
             </a:fld>
             <a:endParaRPr lang="it-IT"/>
           </a:p>
@@ -2356,7 +2358,7 @@
           <a:p>
             <a:fld id="{D3007E90-0CF4-4B56-9D2F-9833898221B1}" type="datetimeFigureOut">
               <a:rPr lang="it-IT" smtClean="0"/>
-              <a:t>17/05/2022</a:t>
+              <a:t>31/05/2022</a:t>
             </a:fld>
             <a:endParaRPr lang="it-IT"/>
           </a:p>
@@ -2618,7 +2620,7 @@
           <a:p>
             <a:fld id="{D3007E90-0CF4-4B56-9D2F-9833898221B1}" type="datetimeFigureOut">
               <a:rPr lang="it-IT" smtClean="0"/>
-              <a:t>17/05/2022</a:t>
+              <a:t>31/05/2022</a:t>
             </a:fld>
             <a:endParaRPr lang="it-IT"/>
           </a:p>
@@ -2880,7 +2882,7 @@
           <a:p>
             <a:fld id="{D3007E90-0CF4-4B56-9D2F-9833898221B1}" type="datetimeFigureOut">
               <a:rPr lang="it-IT" smtClean="0"/>
-              <a:t>17/05/2022</a:t>
+              <a:t>31/05/2022</a:t>
             </a:fld>
             <a:endParaRPr lang="it-IT"/>
           </a:p>
@@ -3209,7 +3211,7 @@
           <a:p>
             <a:fld id="{D3007E90-0CF4-4B56-9D2F-9833898221B1}" type="datetimeFigureOut">
               <a:rPr lang="it-IT" smtClean="0"/>
-              <a:t>17/05/2022</a:t>
+              <a:t>31/05/2022</a:t>
             </a:fld>
             <a:endParaRPr lang="it-IT"/>
           </a:p>
@@ -3532,7 +3534,7 @@
           <a:p>
             <a:fld id="{D3007E90-0CF4-4B56-9D2F-9833898221B1}" type="datetimeFigureOut">
               <a:rPr lang="it-IT" smtClean="0"/>
-              <a:t>17/05/2022</a:t>
+              <a:t>31/05/2022</a:t>
             </a:fld>
             <a:endParaRPr lang="it-IT"/>
           </a:p>
@@ -3989,7 +3991,7 @@
           <a:p>
             <a:fld id="{D3007E90-0CF4-4B56-9D2F-9833898221B1}" type="datetimeFigureOut">
               <a:rPr lang="it-IT" smtClean="0"/>
-              <a:t>17/05/2022</a:t>
+              <a:t>31/05/2022</a:t>
             </a:fld>
             <a:endParaRPr lang="it-IT"/>
           </a:p>
@@ -4194,7 +4196,7 @@
           <a:p>
             <a:fld id="{D3007E90-0CF4-4B56-9D2F-9833898221B1}" type="datetimeFigureOut">
               <a:rPr lang="it-IT" smtClean="0"/>
-              <a:t>17/05/2022</a:t>
+              <a:t>31/05/2022</a:t>
             </a:fld>
             <a:endParaRPr lang="it-IT"/>
           </a:p>
@@ -4371,7 +4373,7 @@
           <a:p>
             <a:fld id="{D3007E90-0CF4-4B56-9D2F-9833898221B1}" type="datetimeFigureOut">
               <a:rPr lang="it-IT" smtClean="0"/>
-              <a:t>17/05/2022</a:t>
+              <a:t>31/05/2022</a:t>
             </a:fld>
             <a:endParaRPr lang="it-IT"/>
           </a:p>
@@ -4704,7 +4706,7 @@
           <a:p>
             <a:fld id="{D3007E90-0CF4-4B56-9D2F-9833898221B1}" type="datetimeFigureOut">
               <a:rPr lang="it-IT" smtClean="0"/>
-              <a:t>17/05/2022</a:t>
+              <a:t>31/05/2022</a:t>
             </a:fld>
             <a:endParaRPr lang="it-IT"/>
           </a:p>
@@ -5049,7 +5051,7 @@
           <a:p>
             <a:fld id="{D3007E90-0CF4-4B56-9D2F-9833898221B1}" type="datetimeFigureOut">
               <a:rPr lang="it-IT" smtClean="0"/>
-              <a:t>17/05/2022</a:t>
+              <a:t>31/05/2022</a:t>
             </a:fld>
             <a:endParaRPr lang="it-IT"/>
           </a:p>
@@ -7166,7 +7168,7 @@
           <a:p>
             <a:fld id="{D3007E90-0CF4-4B56-9D2F-9833898221B1}" type="datetimeFigureOut">
               <a:rPr lang="it-IT" smtClean="0"/>
-              <a:t>17/05/2022</a:t>
+              <a:t>31/05/2022</a:t>
             </a:fld>
             <a:endParaRPr lang="it-IT"/>
           </a:p>
@@ -7670,6 +7672,32 @@
 <file path=ppt/slides/slide1.xml><?xml version="1.0" encoding="utf-8"?>
 <p:sld xmlns:a="http://schemas.openxmlformats.org/drawingml/2006/main" xmlns:r="http://schemas.openxmlformats.org/officeDocument/2006/relationships" xmlns:p="http://schemas.openxmlformats.org/presentationml/2006/main">
   <p:cSld>
+    <p:bg>
+      <p:bgPr>
+        <a:gradFill rotWithShape="1">
+          <a:gsLst>
+            <a:gs pos="0">
+              <a:schemeClr val="bg2">
+                <a:tint val="90000"/>
+                <a:satMod val="92000"/>
+                <a:lumMod val="120000"/>
+              </a:schemeClr>
+            </a:gs>
+            <a:gs pos="100000">
+              <a:schemeClr val="bg2">
+                <a:shade val="98000"/>
+                <a:satMod val="120000"/>
+                <a:lumMod val="98000"/>
+              </a:schemeClr>
+            </a:gs>
+          </a:gsLst>
+          <a:path path="circle">
+            <a:fillToRect l="50000" t="50000" r="100000" b="100000"/>
+          </a:path>
+        </a:gradFill>
+        <a:effectLst/>
+      </p:bgPr>
+    </p:bg>
     <p:spTree>
       <p:nvGrpSpPr>
         <p:cNvPr id="1" name=""/>
@@ -7684,6 +7712,123 @@
           <a:chExt cx="0" cy="0"/>
         </a:xfrm>
       </p:grpSpPr>
+      <p:sp useBgFill="1">
+        <p:nvSpPr>
+          <p:cNvPr id="18" name="Rectangle 17">
+            <a:extLst>
+              <a:ext uri="{FF2B5EF4-FFF2-40B4-BE49-F238E27FC236}">
+                <a16:creationId xmlns:a16="http://schemas.microsoft.com/office/drawing/2014/main" id="{A692209D-B607-46C3-8560-07AF72291659}"/>
+              </a:ext>
+              <a:ext uri="{C183D7F6-B498-43B3-948B-1728B52AA6E4}">
+                <adec:decorative xmlns:adec="http://schemas.microsoft.com/office/drawing/2017/decorative" val="1"/>
+              </a:ext>
+            </a:extLst>
+          </p:cNvPr>
+          <p:cNvSpPr>
+            <a:spLocks noGrp="1" noRot="1" noChangeAspect="1" noMove="1" noResize="1" noEditPoints="1" noAdjustHandles="1" noChangeArrowheads="1" noChangeShapeType="1" noTextEdit="1"/>
+          </p:cNvSpPr>
+          <p:nvPr>
+            <p:extLst>
+              <p:ext uri="{386F3935-93C4-4BCD-93E2-E3B085C9AB24}">
+                <p16:designElem xmlns:p16="http://schemas.microsoft.com/office/powerpoint/2015/main" val="1"/>
+              </p:ext>
+            </p:extLst>
+          </p:nvPr>
+        </p:nvSpPr>
+        <p:spPr>
+          <a:xfrm>
+            <a:off x="0" y="-786"/>
+            <a:ext cx="12192000" cy="6854038"/>
+          </a:xfrm>
+          <a:prstGeom prst="rect">
+            <a:avLst/>
+          </a:prstGeom>
+          <a:ln>
+            <a:noFill/>
+          </a:ln>
+        </p:spPr>
+        <p:style>
+          <a:lnRef idx="2">
+            <a:schemeClr val="accent1">
+              <a:shade val="50000"/>
+            </a:schemeClr>
+          </a:lnRef>
+          <a:fillRef idx="1">
+            <a:schemeClr val="accent1"/>
+          </a:fillRef>
+          <a:effectRef idx="0">
+            <a:schemeClr val="accent1"/>
+          </a:effectRef>
+          <a:fontRef idx="minor">
+            <a:schemeClr val="lt1"/>
+          </a:fontRef>
+        </p:style>
+        <p:txBody>
+          <a:bodyPr rtlCol="0" anchor="ctr"/>
+          <a:lstStyle/>
+          <a:p>
+            <a:pPr algn="ctr"/>
+            <a:endParaRPr lang="en-US"/>
+          </a:p>
+        </p:txBody>
+      </p:sp>
+      <p:sp>
+        <p:nvSpPr>
+          <p:cNvPr id="20" name="Rectangle 19">
+            <a:extLst>
+              <a:ext uri="{FF2B5EF4-FFF2-40B4-BE49-F238E27FC236}">
+                <a16:creationId xmlns:a16="http://schemas.microsoft.com/office/drawing/2014/main" id="{94874638-CF15-4908-BC4B-4908744D0BAF}"/>
+              </a:ext>
+              <a:ext uri="{C183D7F6-B498-43B3-948B-1728B52AA6E4}">
+                <adec:decorative xmlns:adec="http://schemas.microsoft.com/office/drawing/2017/decorative" val="1"/>
+              </a:ext>
+            </a:extLst>
+          </p:cNvPr>
+          <p:cNvSpPr>
+            <a:spLocks noGrp="1" noRot="1" noChangeAspect="1" noMove="1" noResize="1" noEditPoints="1" noAdjustHandles="1" noChangeArrowheads="1" noChangeShapeType="1" noTextEdit="1"/>
+          </p:cNvSpPr>
+          <p:nvPr>
+            <p:extLst>
+              <p:ext uri="{386F3935-93C4-4BCD-93E2-E3B085C9AB24}">
+                <p16:designElem xmlns:p16="http://schemas.microsoft.com/office/powerpoint/2015/main" val="1"/>
+              </p:ext>
+            </p:extLst>
+          </p:nvPr>
+        </p:nvSpPr>
+        <p:spPr bwMode="white">
+          <a:xfrm>
+            <a:off x="-1" y="0"/>
+            <a:ext cx="4639734" cy="6858000"/>
+          </a:xfrm>
+          <a:prstGeom prst="rect">
+            <a:avLst/>
+          </a:prstGeom>
+          <a:solidFill>
+            <a:schemeClr val="tx2">
+              <a:lumMod val="50000"/>
+              <a:alpha val="90000"/>
+            </a:schemeClr>
+          </a:solidFill>
+          <a:ln>
+            <a:noFill/>
+          </a:ln>
+          <a:effectLst/>
+        </p:spPr>
+        <p:style>
+          <a:lnRef idx="1">
+            <a:schemeClr val="accent1"/>
+          </a:lnRef>
+          <a:fillRef idx="3">
+            <a:schemeClr val="accent1"/>
+          </a:fillRef>
+          <a:effectRef idx="2">
+            <a:schemeClr val="accent1"/>
+          </a:effectRef>
+          <a:fontRef idx="minor">
+            <a:schemeClr val="lt1"/>
+          </a:fontRef>
+        </p:style>
+      </p:sp>
       <p:sp>
         <p:nvSpPr>
           <p:cNvPr id="2" name="Titolo 1">
@@ -7702,25 +7847,564 @@
         </p:nvSpPr>
         <p:spPr>
           <a:xfrm>
-            <a:off x="2589212" y="1733420"/>
-            <a:ext cx="8915399" cy="2262781"/>
+            <a:off x="540279" y="967417"/>
+            <a:ext cx="3778870" cy="3943250"/>
           </a:xfrm>
         </p:spPr>
         <p:txBody>
-          <a:bodyPr/>
+          <a:bodyPr>
+            <a:normAutofit/>
+          </a:bodyPr>
           <a:lstStyle/>
           <a:p>
             <a:r>
-              <a:rPr lang="it-IT" dirty="0"/>
+              <a:rPr lang="it-IT" sz="4000">
+                <a:solidFill>
+                  <a:srgbClr val="FEFFFF"/>
+                </a:solidFill>
+              </a:rPr>
               <a:t>Classificazione di segnali stradali</a:t>
             </a:r>
           </a:p>
         </p:txBody>
       </p:sp>
+      <p:sp>
+        <p:nvSpPr>
+          <p:cNvPr id="22" name="Freeform 5">
+            <a:extLst>
+              <a:ext uri="{FF2B5EF4-FFF2-40B4-BE49-F238E27FC236}">
+                <a16:creationId xmlns:a16="http://schemas.microsoft.com/office/drawing/2014/main" id="{5F1B8348-CD6E-4561-A704-C232D9A2676D}"/>
+              </a:ext>
+              <a:ext uri="{C183D7F6-B498-43B3-948B-1728B52AA6E4}">
+                <adec:decorative xmlns:adec="http://schemas.microsoft.com/office/drawing/2017/decorative" val="1"/>
+              </a:ext>
+            </a:extLst>
+          </p:cNvPr>
+          <p:cNvSpPr>
+            <a:spLocks noGrp="1" noRot="1" noChangeAspect="1" noMove="1" noResize="1" noEditPoints="1" noAdjustHandles="1" noChangeArrowheads="1" noChangeShapeType="1" noTextEdit="1"/>
+          </p:cNvSpPr>
+          <p:nvPr>
+            <p:extLst>
+              <p:ext uri="{386F3935-93C4-4BCD-93E2-E3B085C9AB24}">
+                <p16:designElem xmlns:p16="http://schemas.microsoft.com/office/powerpoint/2015/main" val="1"/>
+              </p:ext>
+            </p:extLst>
+          </p:nvPr>
+        </p:nvSpPr>
+        <p:spPr bwMode="grayWhite">
+          <a:xfrm>
+            <a:off x="0" y="5033007"/>
+            <a:ext cx="5404022" cy="857047"/>
+          </a:xfrm>
+          <a:custGeom>
+            <a:avLst/>
+            <a:gdLst>
+              <a:gd name="T0" fmla="*/ 1114 w 1117"/>
+              <a:gd name="T1" fmla="*/ 77 h 163"/>
+              <a:gd name="T2" fmla="*/ 1040 w 1117"/>
+              <a:gd name="T3" fmla="*/ 3 h 163"/>
+              <a:gd name="T4" fmla="*/ 1039 w 1117"/>
+              <a:gd name="T5" fmla="*/ 2 h 163"/>
+              <a:gd name="T6" fmla="*/ 1034 w 1117"/>
+              <a:gd name="T7" fmla="*/ 0 h 163"/>
+              <a:gd name="T8" fmla="*/ 578 w 1117"/>
+              <a:gd name="T9" fmla="*/ 0 h 163"/>
+              <a:gd name="T10" fmla="*/ 562 w 1117"/>
+              <a:gd name="T11" fmla="*/ 0 h 163"/>
+              <a:gd name="T12" fmla="*/ 440 w 1117"/>
+              <a:gd name="T13" fmla="*/ 0 h 163"/>
+              <a:gd name="T14" fmla="*/ 106 w 1117"/>
+              <a:gd name="T15" fmla="*/ 0 h 163"/>
+              <a:gd name="T16" fmla="*/ 0 w 1117"/>
+              <a:gd name="T17" fmla="*/ 0 h 163"/>
+              <a:gd name="T18" fmla="*/ 0 w 1117"/>
+              <a:gd name="T19" fmla="*/ 163 h 163"/>
+              <a:gd name="T20" fmla="*/ 106 w 1117"/>
+              <a:gd name="T21" fmla="*/ 163 h 163"/>
+              <a:gd name="T22" fmla="*/ 440 w 1117"/>
+              <a:gd name="T23" fmla="*/ 163 h 163"/>
+              <a:gd name="T24" fmla="*/ 562 w 1117"/>
+              <a:gd name="T25" fmla="*/ 163 h 163"/>
+              <a:gd name="T26" fmla="*/ 578 w 1117"/>
+              <a:gd name="T27" fmla="*/ 163 h 163"/>
+              <a:gd name="T28" fmla="*/ 1034 w 1117"/>
+              <a:gd name="T29" fmla="*/ 163 h 163"/>
+              <a:gd name="T30" fmla="*/ 1039 w 1117"/>
+              <a:gd name="T31" fmla="*/ 161 h 163"/>
+              <a:gd name="T32" fmla="*/ 1040 w 1117"/>
+              <a:gd name="T33" fmla="*/ 160 h 163"/>
+              <a:gd name="T34" fmla="*/ 1114 w 1117"/>
+              <a:gd name="T35" fmla="*/ 86 h 163"/>
+              <a:gd name="T36" fmla="*/ 1114 w 1117"/>
+              <a:gd name="T37" fmla="*/ 77 h 163"/>
+            </a:gdLst>
+            <a:ahLst/>
+            <a:cxnLst>
+              <a:cxn ang="0">
+                <a:pos x="T0" y="T1"/>
+              </a:cxn>
+              <a:cxn ang="0">
+                <a:pos x="T2" y="T3"/>
+              </a:cxn>
+              <a:cxn ang="0">
+                <a:pos x="T4" y="T5"/>
+              </a:cxn>
+              <a:cxn ang="0">
+                <a:pos x="T6" y="T7"/>
+              </a:cxn>
+              <a:cxn ang="0">
+                <a:pos x="T8" y="T9"/>
+              </a:cxn>
+              <a:cxn ang="0">
+                <a:pos x="T10" y="T11"/>
+              </a:cxn>
+              <a:cxn ang="0">
+                <a:pos x="T12" y="T13"/>
+              </a:cxn>
+              <a:cxn ang="0">
+                <a:pos x="T14" y="T15"/>
+              </a:cxn>
+              <a:cxn ang="0">
+                <a:pos x="T16" y="T17"/>
+              </a:cxn>
+              <a:cxn ang="0">
+                <a:pos x="T18" y="T19"/>
+              </a:cxn>
+              <a:cxn ang="0">
+                <a:pos x="T20" y="T21"/>
+              </a:cxn>
+              <a:cxn ang="0">
+                <a:pos x="T22" y="T23"/>
+              </a:cxn>
+              <a:cxn ang="0">
+                <a:pos x="T24" y="T25"/>
+              </a:cxn>
+              <a:cxn ang="0">
+                <a:pos x="T26" y="T27"/>
+              </a:cxn>
+              <a:cxn ang="0">
+                <a:pos x="T28" y="T29"/>
+              </a:cxn>
+              <a:cxn ang="0">
+                <a:pos x="T30" y="T31"/>
+              </a:cxn>
+              <a:cxn ang="0">
+                <a:pos x="T32" y="T33"/>
+              </a:cxn>
+              <a:cxn ang="0">
+                <a:pos x="T34" y="T35"/>
+              </a:cxn>
+              <a:cxn ang="0">
+                <a:pos x="T36" y="T37"/>
+              </a:cxn>
+            </a:cxnLst>
+            <a:rect l="0" t="0" r="r" b="b"/>
+            <a:pathLst>
+              <a:path w="1117" h="163">
+                <a:moveTo>
+                  <a:pt x="1114" y="77"/>
+                </a:moveTo>
+                <a:cubicBezTo>
+                  <a:pt x="1040" y="3"/>
+                  <a:pt x="1040" y="3"/>
+                  <a:pt x="1040" y="3"/>
+                </a:cubicBezTo>
+                <a:cubicBezTo>
+                  <a:pt x="1040" y="2"/>
+                  <a:pt x="1039" y="2"/>
+                  <a:pt x="1039" y="2"/>
+                </a:cubicBezTo>
+                <a:cubicBezTo>
+                  <a:pt x="1038" y="1"/>
+                  <a:pt x="1036" y="0"/>
+                  <a:pt x="1034" y="0"/>
+                </a:cubicBezTo>
+                <a:cubicBezTo>
+                  <a:pt x="578" y="0"/>
+                  <a:pt x="578" y="0"/>
+                  <a:pt x="578" y="0"/>
+                </a:cubicBezTo>
+                <a:cubicBezTo>
+                  <a:pt x="562" y="0"/>
+                  <a:pt x="562" y="0"/>
+                  <a:pt x="562" y="0"/>
+                </a:cubicBezTo>
+                <a:cubicBezTo>
+                  <a:pt x="440" y="0"/>
+                  <a:pt x="440" y="0"/>
+                  <a:pt x="440" y="0"/>
+                </a:cubicBezTo>
+                <a:cubicBezTo>
+                  <a:pt x="106" y="0"/>
+                  <a:pt x="106" y="0"/>
+                  <a:pt x="106" y="0"/>
+                </a:cubicBezTo>
+                <a:cubicBezTo>
+                  <a:pt x="0" y="0"/>
+                  <a:pt x="0" y="0"/>
+                  <a:pt x="0" y="0"/>
+                </a:cubicBezTo>
+                <a:cubicBezTo>
+                  <a:pt x="0" y="163"/>
+                  <a:pt x="0" y="163"/>
+                  <a:pt x="0" y="163"/>
+                </a:cubicBezTo>
+                <a:cubicBezTo>
+                  <a:pt x="106" y="163"/>
+                  <a:pt x="106" y="163"/>
+                  <a:pt x="106" y="163"/>
+                </a:cubicBezTo>
+                <a:cubicBezTo>
+                  <a:pt x="440" y="163"/>
+                  <a:pt x="440" y="163"/>
+                  <a:pt x="440" y="163"/>
+                </a:cubicBezTo>
+                <a:cubicBezTo>
+                  <a:pt x="562" y="163"/>
+                  <a:pt x="562" y="163"/>
+                  <a:pt x="562" y="163"/>
+                </a:cubicBezTo>
+                <a:cubicBezTo>
+                  <a:pt x="578" y="163"/>
+                  <a:pt x="578" y="163"/>
+                  <a:pt x="578" y="163"/>
+                </a:cubicBezTo>
+                <a:cubicBezTo>
+                  <a:pt x="1034" y="163"/>
+                  <a:pt x="1034" y="163"/>
+                  <a:pt x="1034" y="163"/>
+                </a:cubicBezTo>
+                <a:cubicBezTo>
+                  <a:pt x="1036" y="163"/>
+                  <a:pt x="1038" y="162"/>
+                  <a:pt x="1039" y="161"/>
+                </a:cubicBezTo>
+                <a:cubicBezTo>
+                  <a:pt x="1039" y="160"/>
+                  <a:pt x="1040" y="160"/>
+                  <a:pt x="1040" y="160"/>
+                </a:cubicBezTo>
+                <a:cubicBezTo>
+                  <a:pt x="1114" y="86"/>
+                  <a:pt x="1114" y="86"/>
+                  <a:pt x="1114" y="86"/>
+                </a:cubicBezTo>
+                <a:cubicBezTo>
+                  <a:pt x="1117" y="83"/>
+                  <a:pt x="1117" y="79"/>
+                  <a:pt x="1114" y="77"/>
+                </a:cubicBezTo>
+                <a:close/>
+              </a:path>
+            </a:pathLst>
+          </a:custGeom>
+          <a:solidFill>
+            <a:schemeClr val="accent1"/>
+          </a:solidFill>
+          <a:ln>
+            <a:noFill/>
+          </a:ln>
+        </p:spPr>
+        <p:txBody>
+          <a:bodyPr vert="horz" wrap="square" lIns="91440" tIns="45720" rIns="91440" bIns="45720" numCol="1" anchor="t" anchorCtr="0" compatLnSpc="1">
+            <a:prstTxWarp prst="textNoShape">
+              <a:avLst/>
+            </a:prstTxWarp>
+          </a:bodyPr>
+          <a:lstStyle/>
+          <a:p>
+            <a:endParaRPr lang="en-US"/>
+          </a:p>
+        </p:txBody>
+      </p:sp>
+      <p:pic>
+        <p:nvPicPr>
+          <p:cNvPr id="6" name="Immagine 5" descr="Immagine che contiene testo, clipart&#10;&#10;Descrizione generata automaticamente">
+            <a:extLst>
+              <a:ext uri="{FF2B5EF4-FFF2-40B4-BE49-F238E27FC236}">
+                <a16:creationId xmlns:a16="http://schemas.microsoft.com/office/drawing/2014/main" id="{FE31E03F-E4EB-C226-BC76-03C2DFC6F49D}"/>
+              </a:ext>
+            </a:extLst>
+          </p:cNvPr>
+          <p:cNvPicPr>
+            <a:picLocks noChangeAspect="1"/>
+          </p:cNvPicPr>
+          <p:nvPr/>
+        </p:nvPicPr>
+        <p:blipFill>
+          <a:blip r:embed="rId2">
+            <a:extLst>
+              <a:ext uri="{28A0092B-C50C-407E-A947-70E740481C1C}">
+                <a14:useLocalDpi xmlns:a14="http://schemas.microsoft.com/office/drawing/2010/main" val="0"/>
+              </a:ext>
+            </a:extLst>
+          </a:blip>
+          <a:stretch>
+            <a:fillRect/>
+          </a:stretch>
+        </p:blipFill>
+        <p:spPr>
+          <a:xfrm>
+            <a:off x="5587994" y="1674959"/>
+            <a:ext cx="6039118" cy="3763816"/>
+          </a:xfrm>
+          <a:prstGeom prst="rect">
+            <a:avLst/>
+          </a:prstGeom>
+        </p:spPr>
+      </p:pic>
     </p:spTree>
     <p:extLst>
       <p:ext uri="{BB962C8B-B14F-4D97-AF65-F5344CB8AC3E}">
         <p14:creationId xmlns:p14="http://schemas.microsoft.com/office/powerpoint/2010/main" val="3829558336"/>
+      </p:ext>
+    </p:extLst>
+  </p:cSld>
+  <p:clrMapOvr>
+    <a:masterClrMapping/>
+  </p:clrMapOvr>
+</p:sld>
+</file>
+
+<file path=ppt/slides/slide10.xml><?xml version="1.0" encoding="utf-8"?>
+<p:sld xmlns:a="http://schemas.openxmlformats.org/drawingml/2006/main" xmlns:r="http://schemas.openxmlformats.org/officeDocument/2006/relationships" xmlns:p="http://schemas.openxmlformats.org/presentationml/2006/main">
+  <p:cSld>
+    <p:spTree>
+      <p:nvGrpSpPr>
+        <p:cNvPr id="1" name=""/>
+        <p:cNvGrpSpPr/>
+        <p:nvPr/>
+      </p:nvGrpSpPr>
+      <p:grpSpPr>
+        <a:xfrm>
+          <a:off x="0" y="0"/>
+          <a:ext cx="0" cy="0"/>
+          <a:chOff x="0" y="0"/>
+          <a:chExt cx="0" cy="0"/>
+        </a:xfrm>
+      </p:grpSpPr>
+      <p:sp>
+        <p:nvSpPr>
+          <p:cNvPr id="2" name="Titolo 1">
+            <a:extLst>
+              <a:ext uri="{FF2B5EF4-FFF2-40B4-BE49-F238E27FC236}">
+                <a16:creationId xmlns:a16="http://schemas.microsoft.com/office/drawing/2014/main" id="{E1CFBCDC-E184-C230-FAEF-5A33546EB70D}"/>
+              </a:ext>
+            </a:extLst>
+          </p:cNvPr>
+          <p:cNvSpPr>
+            <a:spLocks noGrp="1"/>
+          </p:cNvSpPr>
+          <p:nvPr>
+            <p:ph type="title"/>
+          </p:nvPr>
+        </p:nvSpPr>
+        <p:spPr>
+          <a:xfrm>
+            <a:off x="2592925" y="624110"/>
+            <a:ext cx="8911687" cy="597787"/>
+          </a:xfrm>
+        </p:spPr>
+        <p:txBody>
+          <a:bodyPr>
+            <a:normAutofit fontScale="90000"/>
+          </a:bodyPr>
+          <a:lstStyle/>
+          <a:p>
+            <a:r>
+              <a:rPr lang="it-IT" dirty="0"/>
+              <a:t>5. Dataset</a:t>
+            </a:r>
+          </a:p>
+        </p:txBody>
+      </p:sp>
+      <p:sp>
+        <p:nvSpPr>
+          <p:cNvPr id="3" name="Segnaposto contenuto 2">
+            <a:extLst>
+              <a:ext uri="{FF2B5EF4-FFF2-40B4-BE49-F238E27FC236}">
+                <a16:creationId xmlns:a16="http://schemas.microsoft.com/office/drawing/2014/main" id="{56B05CCB-ACF3-691A-0384-8F577FF2E51E}"/>
+              </a:ext>
+            </a:extLst>
+          </p:cNvPr>
+          <p:cNvSpPr>
+            <a:spLocks noGrp="1"/>
+          </p:cNvSpPr>
+          <p:nvPr>
+            <p:ph idx="1"/>
+          </p:nvPr>
+        </p:nvSpPr>
+        <p:spPr>
+          <a:xfrm>
+            <a:off x="1883391" y="1459425"/>
+            <a:ext cx="10170845" cy="4886784"/>
+          </a:xfrm>
+        </p:spPr>
+        <p:txBody>
+          <a:bodyPr>
+            <a:normAutofit/>
+          </a:bodyPr>
+          <a:lstStyle/>
+          <a:p>
+            <a:r>
+              <a:rPr lang="it-IT" sz="2000" dirty="0"/>
+              <a:t>Il dataset di riferimento è composto da 876 immagini, suddivise nelle 4 categorie (semafori, limiti di velocità, stop e attraversamenti pedonali)</a:t>
+            </a:r>
+          </a:p>
+          <a:p>
+            <a:r>
+              <a:rPr lang="it-IT" sz="2000" dirty="0"/>
+              <a:t>Il dataset presenta una maggiore presenza di segnali di limiti di velocità. Per questo abbiamo ridotto il numero di immagini di tale categoria, riducendo </a:t>
+            </a:r>
+            <a:r>
+              <a:rPr lang="it-IT" sz="2000" b="1" dirty="0"/>
+              <a:t>l’</a:t>
+            </a:r>
+            <a:r>
+              <a:rPr lang="it-IT" sz="2000" b="1" dirty="0" err="1"/>
+              <a:t>overfitting</a:t>
+            </a:r>
+            <a:endParaRPr lang="it-IT" sz="2000" dirty="0"/>
+          </a:p>
+          <a:p>
+            <a:r>
+              <a:rPr lang="it-IT" sz="2000" dirty="0"/>
+              <a:t> Ad ogni immagine è associato un file .xml per l’estrazione dei dati di ogni foto del dataset.</a:t>
+            </a:r>
+          </a:p>
+          <a:p>
+            <a:r>
+              <a:rPr lang="it-IT" sz="2000" dirty="0"/>
+              <a:t>I campi di maggior rilievo sono :</a:t>
+            </a:r>
+          </a:p>
+          <a:p>
+            <a:pPr lvl="1">
+              <a:buFont typeface="+mj-lt"/>
+              <a:buAutoNum type="arabicPeriod"/>
+            </a:pPr>
+            <a:r>
+              <a:rPr lang="it-IT" sz="1800" dirty="0"/>
+              <a:t>Tag &lt;name&gt;: corrisponde alla categoria dell’immagine, dove nel nostro dataset sono 4.</a:t>
+            </a:r>
+          </a:p>
+          <a:p>
+            <a:pPr lvl="1">
+              <a:buFont typeface="+mj-lt"/>
+              <a:buAutoNum type="arabicPeriod"/>
+            </a:pPr>
+            <a:r>
+              <a:rPr lang="it-IT" sz="1800" dirty="0"/>
+              <a:t>&lt;</a:t>
+            </a:r>
+            <a:r>
+              <a:rPr lang="it-IT" sz="1800" dirty="0" err="1"/>
+              <a:t>bndbox</a:t>
+            </a:r>
+            <a:r>
+              <a:rPr lang="it-IT" sz="1800" dirty="0"/>
+              <a:t>&gt;: box che presenta le coordinate in cui si trova il segnale all’interno dell’immagine</a:t>
+            </a:r>
+          </a:p>
+        </p:txBody>
+      </p:sp>
+    </p:spTree>
+    <p:extLst>
+      <p:ext uri="{BB962C8B-B14F-4D97-AF65-F5344CB8AC3E}">
+        <p14:creationId xmlns:p14="http://schemas.microsoft.com/office/powerpoint/2010/main" val="2198489557"/>
+      </p:ext>
+    </p:extLst>
+  </p:cSld>
+  <p:clrMapOvr>
+    <a:masterClrMapping/>
+  </p:clrMapOvr>
+</p:sld>
+</file>
+
+<file path=ppt/slides/slide11.xml><?xml version="1.0" encoding="utf-8"?>
+<p:sld xmlns:a="http://schemas.openxmlformats.org/drawingml/2006/main" xmlns:r="http://schemas.openxmlformats.org/officeDocument/2006/relationships" xmlns:p="http://schemas.openxmlformats.org/presentationml/2006/main">
+  <p:cSld>
+    <p:spTree>
+      <p:nvGrpSpPr>
+        <p:cNvPr id="1" name=""/>
+        <p:cNvGrpSpPr/>
+        <p:nvPr/>
+      </p:nvGrpSpPr>
+      <p:grpSpPr>
+        <a:xfrm>
+          <a:off x="0" y="0"/>
+          <a:ext cx="0" cy="0"/>
+          <a:chOff x="0" y="0"/>
+          <a:chExt cx="0" cy="0"/>
+        </a:xfrm>
+      </p:grpSpPr>
+      <p:sp>
+        <p:nvSpPr>
+          <p:cNvPr id="2" name="Titolo 1">
+            <a:extLst>
+              <a:ext uri="{FF2B5EF4-FFF2-40B4-BE49-F238E27FC236}">
+                <a16:creationId xmlns:a16="http://schemas.microsoft.com/office/drawing/2014/main" id="{5B84AD69-8892-4CE6-2F58-AC0B2AB35A78}"/>
+              </a:ext>
+            </a:extLst>
+          </p:cNvPr>
+          <p:cNvSpPr>
+            <a:spLocks noGrp="1"/>
+          </p:cNvSpPr>
+          <p:nvPr>
+            <p:ph type="title"/>
+          </p:nvPr>
+        </p:nvSpPr>
+        <p:spPr/>
+        <p:txBody>
+          <a:bodyPr/>
+          <a:lstStyle/>
+          <a:p>
+            <a:r>
+              <a:rPr lang="it-IT" dirty="0"/>
+              <a:t>5. Dataset</a:t>
+            </a:r>
+          </a:p>
+        </p:txBody>
+      </p:sp>
+      <p:pic>
+        <p:nvPicPr>
+          <p:cNvPr id="5" name="Segnaposto contenuto 4" descr="Immagine che contiene testo&#10;&#10;Descrizione generata automaticamente">
+            <a:extLst>
+              <a:ext uri="{FF2B5EF4-FFF2-40B4-BE49-F238E27FC236}">
+                <a16:creationId xmlns:a16="http://schemas.microsoft.com/office/drawing/2014/main" id="{0C4BA519-8B31-0386-892B-435DFD434D3A}"/>
+              </a:ext>
+            </a:extLst>
+          </p:cNvPr>
+          <p:cNvPicPr>
+            <a:picLocks noGrp="1" noChangeAspect="1"/>
+          </p:cNvPicPr>
+          <p:nvPr>
+            <p:ph idx="1"/>
+          </p:nvPr>
+        </p:nvPicPr>
+        <p:blipFill>
+          <a:blip r:embed="rId2">
+            <a:extLst>
+              <a:ext uri="{28A0092B-C50C-407E-A947-70E740481C1C}">
+                <a14:useLocalDpi xmlns:a14="http://schemas.microsoft.com/office/drawing/2010/main" val="0"/>
+              </a:ext>
+            </a:extLst>
+          </a:blip>
+          <a:stretch>
+            <a:fillRect/>
+          </a:stretch>
+        </p:blipFill>
+        <p:spPr>
+          <a:xfrm>
+            <a:off x="4207098" y="1264555"/>
+            <a:ext cx="3425015" cy="4803775"/>
+          </a:xfrm>
+        </p:spPr>
+      </p:pic>
+    </p:spTree>
+    <p:extLst>
+      <p:ext uri="{BB962C8B-B14F-4D97-AF65-F5344CB8AC3E}">
+        <p14:creationId xmlns:p14="http://schemas.microsoft.com/office/powerpoint/2010/main" val="1858851659"/>
       </p:ext>
     </p:extLst>
   </p:cSld>
@@ -8108,13 +8792,154 @@
         </p:nvSpPr>
         <p:spPr/>
         <p:txBody>
-          <a:bodyPr/>
+          <a:bodyPr>
+            <a:normAutofit/>
+          </a:bodyPr>
           <a:lstStyle/>
           <a:p>
-            <a:endParaRPr lang="it-IT"/>
-          </a:p>
-        </p:txBody>
-      </p:sp>
+            <a:r>
+              <a:rPr lang="it-IT" sz="3000" dirty="0" err="1"/>
+              <a:t>TensorFlow</a:t>
+            </a:r>
+            <a:r>
+              <a:rPr lang="it-IT" sz="3000" dirty="0"/>
+              <a:t> </a:t>
+            </a:r>
+          </a:p>
+          <a:p>
+            <a:endParaRPr lang="it-IT" sz="3000" dirty="0"/>
+          </a:p>
+          <a:p>
+            <a:r>
+              <a:rPr lang="it-IT" sz="3000" dirty="0" err="1"/>
+              <a:t>Keras</a:t>
+            </a:r>
+            <a:endParaRPr lang="it-IT" sz="3000" dirty="0"/>
+          </a:p>
+          <a:p>
+            <a:endParaRPr lang="it-IT" sz="3000" dirty="0"/>
+          </a:p>
+          <a:p>
+            <a:r>
+              <a:rPr lang="it-IT" sz="3000" dirty="0"/>
+              <a:t>Google </a:t>
+            </a:r>
+            <a:r>
+              <a:rPr lang="it-IT" sz="3000" dirty="0" err="1"/>
+              <a:t>Colab</a:t>
+            </a:r>
+            <a:endParaRPr lang="it-IT" sz="3000" dirty="0"/>
+          </a:p>
+        </p:txBody>
+      </p:sp>
+      <p:pic>
+        <p:nvPicPr>
+          <p:cNvPr id="5" name="Immagine 4">
+            <a:extLst>
+              <a:ext uri="{FF2B5EF4-FFF2-40B4-BE49-F238E27FC236}">
+                <a16:creationId xmlns:a16="http://schemas.microsoft.com/office/drawing/2014/main" id="{77606A21-77FE-EC12-360B-A731975B8F6B}"/>
+              </a:ext>
+            </a:extLst>
+          </p:cNvPr>
+          <p:cNvPicPr>
+            <a:picLocks noChangeAspect="1"/>
+          </p:cNvPicPr>
+          <p:nvPr/>
+        </p:nvPicPr>
+        <p:blipFill>
+          <a:blip r:embed="rId2">
+            <a:extLst>
+              <a:ext uri="{28A0092B-C50C-407E-A947-70E740481C1C}">
+                <a14:useLocalDpi xmlns:a14="http://schemas.microsoft.com/office/drawing/2010/main" val="0"/>
+              </a:ext>
+            </a:extLst>
+          </a:blip>
+          <a:stretch>
+            <a:fillRect/>
+          </a:stretch>
+        </p:blipFill>
+        <p:spPr>
+          <a:xfrm>
+            <a:off x="9299144" y="3087929"/>
+            <a:ext cx="1045006" cy="1045006"/>
+          </a:xfrm>
+          <a:prstGeom prst="rect">
+            <a:avLst/>
+          </a:prstGeom>
+        </p:spPr>
+      </p:pic>
+      <p:pic>
+        <p:nvPicPr>
+          <p:cNvPr id="9" name="Immagine 8" descr="Immagine che contiene testo, materiale da costruzione, mattone&#10;&#10;Descrizione generata automaticamente">
+            <a:extLst>
+              <a:ext uri="{FF2B5EF4-FFF2-40B4-BE49-F238E27FC236}">
+                <a16:creationId xmlns:a16="http://schemas.microsoft.com/office/drawing/2014/main" id="{5F1512FA-5867-D985-6CFC-0392FD8E0617}"/>
+              </a:ext>
+            </a:extLst>
+          </p:cNvPr>
+          <p:cNvPicPr>
+            <a:picLocks noChangeAspect="1"/>
+          </p:cNvPicPr>
+          <p:nvPr/>
+        </p:nvPicPr>
+        <p:blipFill>
+          <a:blip r:embed="rId3">
+            <a:extLst>
+              <a:ext uri="{28A0092B-C50C-407E-A947-70E740481C1C}">
+                <a14:useLocalDpi xmlns:a14="http://schemas.microsoft.com/office/drawing/2010/main" val="0"/>
+              </a:ext>
+            </a:extLst>
+          </a:blip>
+          <a:stretch>
+            <a:fillRect/>
+          </a:stretch>
+        </p:blipFill>
+        <p:spPr>
+          <a:xfrm>
+            <a:off x="9344613" y="1881376"/>
+            <a:ext cx="999537" cy="1068629"/>
+          </a:xfrm>
+          <a:prstGeom prst="rect">
+            <a:avLst/>
+          </a:prstGeom>
+        </p:spPr>
+      </p:pic>
+      <p:pic>
+        <p:nvPicPr>
+          <p:cNvPr id="11" name="Immagine 10">
+            <a:extLst>
+              <a:ext uri="{FF2B5EF4-FFF2-40B4-BE49-F238E27FC236}">
+                <a16:creationId xmlns:a16="http://schemas.microsoft.com/office/drawing/2014/main" id="{C899909D-DF34-9DD9-99FC-EB188BCF07A6}"/>
+              </a:ext>
+            </a:extLst>
+          </p:cNvPr>
+          <p:cNvPicPr>
+            <a:picLocks noChangeAspect="1"/>
+          </p:cNvPicPr>
+          <p:nvPr/>
+        </p:nvPicPr>
+        <p:blipFill>
+          <a:blip r:embed="rId4">
+            <a:extLst>
+              <a:ext uri="{28A0092B-C50C-407E-A947-70E740481C1C}">
+                <a14:useLocalDpi xmlns:a14="http://schemas.microsoft.com/office/drawing/2010/main" val="0"/>
+              </a:ext>
+            </a:extLst>
+          </a:blip>
+          <a:stretch>
+            <a:fillRect/>
+          </a:stretch>
+        </p:blipFill>
+        <p:spPr>
+          <a:xfrm>
+            <a:off x="9300920" y="4255317"/>
+            <a:ext cx="1068630" cy="1068630"/>
+          </a:xfrm>
+          <a:prstGeom prst="rect">
+            <a:avLst/>
+          </a:prstGeom>
+        </p:spPr>
+      </p:pic>
     </p:spTree>
     <p:extLst>
       <p:ext uri="{BB962C8B-B14F-4D97-AF65-F5344CB8AC3E}">
@@ -8245,7 +9070,10 @@
               <a:buFont typeface="+mj-lt"/>
               <a:buAutoNum type="arabicPeriod"/>
             </a:pPr>
-            <a:endParaRPr lang="it-IT" dirty="0"/>
+            <a:r>
+              <a:rPr lang="it-IT" dirty="0"/>
+              <a:t>Dataset</a:t>
+            </a:r>
           </a:p>
           <a:p>
             <a:pPr marL="0" indent="0">
@@ -8340,12 +9168,14 @@
         </p:nvSpPr>
         <p:spPr>
           <a:xfrm>
-            <a:off x="2095598" y="1464658"/>
-            <a:ext cx="8915400" cy="2681161"/>
+            <a:off x="1998494" y="1464657"/>
+            <a:ext cx="9012504" cy="4460281"/>
           </a:xfrm>
         </p:spPr>
         <p:txBody>
-          <a:bodyPr/>
+          <a:bodyPr>
+            <a:normAutofit/>
+          </a:bodyPr>
           <a:lstStyle/>
           <a:p>
             <a:r>
@@ -8369,62 +9199,39 @@
             <a:endParaRPr lang="it-IT" dirty="0"/>
           </a:p>
           <a:p>
+            <a:r>
+              <a:rPr lang="it-IT" dirty="0"/>
+              <a:t>Obiettivo</a:t>
+            </a:r>
+          </a:p>
+          <a:p>
+            <a:pPr marL="0" indent="0">
+              <a:buNone/>
+            </a:pPr>
+            <a:r>
+              <a:rPr lang="it-IT" dirty="0"/>
+              <a:t>Con il nostro progetto intendiamo implementare un classificatore in grado di riconoscere diverse categorie di segnali (</a:t>
+            </a:r>
+            <a:r>
+              <a:rPr lang="it-IT" dirty="0" err="1"/>
+              <a:t>stop,semafori,limiti</a:t>
+            </a:r>
+            <a:r>
+              <a:rPr lang="it-IT" dirty="0"/>
+              <a:t> di velocità, attraversamenti pedonali)</a:t>
+            </a:r>
+          </a:p>
+          <a:p>
+            <a:endParaRPr lang="it-IT" dirty="0"/>
+          </a:p>
+          <a:p>
+            <a:endParaRPr lang="it-IT" dirty="0"/>
+          </a:p>
+          <a:p>
             <a:pPr marL="0" indent="0">
               <a:buNone/>
             </a:pPr>
             <a:endParaRPr lang="it-IT" dirty="0"/>
-          </a:p>
-        </p:txBody>
-      </p:sp>
-      <p:sp>
-        <p:nvSpPr>
-          <p:cNvPr id="4" name="CasellaDiTesto 3">
-            <a:extLst>
-              <a:ext uri="{FF2B5EF4-FFF2-40B4-BE49-F238E27FC236}">
-                <a16:creationId xmlns:a16="http://schemas.microsoft.com/office/drawing/2014/main" id="{762A8662-D9B7-FBE1-9725-42D035022206}"/>
-              </a:ext>
-            </a:extLst>
-          </p:cNvPr>
-          <p:cNvSpPr txBox="1"/>
-          <p:nvPr/>
-        </p:nvSpPr>
-        <p:spPr>
-          <a:xfrm>
-            <a:off x="2095598" y="4466804"/>
-            <a:ext cx="8911687" cy="1477328"/>
-          </a:xfrm>
-          <a:prstGeom prst="rect">
-            <a:avLst/>
-          </a:prstGeom>
-          <a:noFill/>
-        </p:spPr>
-        <p:txBody>
-          <a:bodyPr wrap="square" rtlCol="0">
-            <a:spAutoFit/>
-          </a:bodyPr>
-          <a:lstStyle/>
-          <a:p>
-            <a:r>
-              <a:rPr lang="it-IT" dirty="0"/>
-              <a:t>Obiettivo</a:t>
-            </a:r>
-          </a:p>
-          <a:p>
-            <a:endParaRPr lang="it-IT" dirty="0"/>
-          </a:p>
-          <a:p>
-            <a:r>
-              <a:rPr lang="it-IT" dirty="0"/>
-              <a:t>Con il nostro progetto intendiamo implementare un classificatore in grado di riconoscere diverse categorie di segnali (</a:t>
-            </a:r>
-            <a:r>
-              <a:rPr lang="it-IT" dirty="0" err="1"/>
-              <a:t>stop,semafori,limiti</a:t>
-            </a:r>
-            <a:r>
-              <a:rPr lang="it-IT" dirty="0"/>
-              <a:t> di velocità, attraversamenti pedonali)</a:t>
-            </a:r>
           </a:p>
         </p:txBody>
       </p:sp>
@@ -8502,12 +9309,105 @@
             <p:ph idx="1"/>
           </p:nvPr>
         </p:nvSpPr>
-        <p:spPr/>
-        <p:txBody>
-          <a:bodyPr/>
+        <p:spPr>
+          <a:xfrm>
+            <a:off x="1614196" y="1520890"/>
+            <a:ext cx="10105052" cy="4786604"/>
+          </a:xfrm>
+        </p:spPr>
+        <p:txBody>
+          <a:bodyPr>
+            <a:normAutofit/>
+          </a:bodyPr>
           <a:lstStyle/>
           <a:p>
-            <a:endParaRPr lang="it-IT"/>
+            <a:r>
+              <a:rPr lang="it-IT" dirty="0"/>
+              <a:t>PERFORMANCE	</a:t>
+            </a:r>
+          </a:p>
+          <a:p>
+            <a:pPr marL="0" indent="0">
+              <a:buNone/>
+            </a:pPr>
+            <a:r>
+              <a:rPr lang="it-IT" dirty="0"/>
+              <a:t>Immagini correttamente classificate / immagini totali</a:t>
+            </a:r>
+          </a:p>
+          <a:p>
+            <a:pPr marL="0" indent="0">
+              <a:buNone/>
+            </a:pPr>
+            <a:r>
+              <a:rPr lang="it-IT" dirty="0"/>
+              <a:t>					</a:t>
+            </a:r>
+          </a:p>
+          <a:p>
+            <a:r>
+              <a:rPr lang="it-IT" dirty="0"/>
+              <a:t>ENVIRONMENT			</a:t>
+            </a:r>
+          </a:p>
+          <a:p>
+            <a:pPr marL="0" indent="0">
+              <a:buNone/>
+            </a:pPr>
+            <a:r>
+              <a:rPr lang="it-IT" dirty="0"/>
+              <a:t>Dataset (apprendimento) – Collezione di immagini (applicazione)</a:t>
+            </a:r>
+          </a:p>
+          <a:p>
+            <a:endParaRPr lang="it-IT" dirty="0"/>
+          </a:p>
+          <a:p>
+            <a:r>
+              <a:rPr lang="it-IT" dirty="0"/>
+              <a:t>ACTUATORS</a:t>
+            </a:r>
+          </a:p>
+          <a:p>
+            <a:pPr marL="0" indent="0">
+              <a:buNone/>
+            </a:pPr>
+            <a:r>
+              <a:rPr lang="it-IT" dirty="0"/>
+              <a:t>Aggiornamento di </a:t>
+            </a:r>
+            <a:r>
+              <a:rPr lang="it-IT" dirty="0" err="1"/>
+              <a:t>bias</a:t>
+            </a:r>
+            <a:r>
+              <a:rPr lang="it-IT" dirty="0"/>
+              <a:t> e neuroni. Classificatore di immagini</a:t>
+            </a:r>
+          </a:p>
+          <a:p>
+            <a:endParaRPr lang="it-IT" dirty="0"/>
+          </a:p>
+          <a:p>
+            <a:r>
+              <a:rPr lang="it-IT" dirty="0"/>
+              <a:t>SENSOR</a:t>
+            </a:r>
+          </a:p>
+          <a:p>
+            <a:pPr marL="0" indent="0">
+              <a:buNone/>
+            </a:pPr>
+            <a:r>
+              <a:rPr lang="it-IT" dirty="0"/>
+              <a:t>Stato corrente del modello. Interfaccia per il caricamento delle immagini</a:t>
+            </a:r>
+          </a:p>
+          <a:p>
+            <a:pPr marL="0" indent="0">
+              <a:buNone/>
+            </a:pPr>
+            <a:endParaRPr lang="it-IT" dirty="0"/>
           </a:p>
         </p:txBody>
       </p:sp>
@@ -8562,35 +9462,48 @@
           <a:bodyPr/>
           <a:lstStyle/>
           <a:p>
-            <a:endParaRPr lang="it-IT"/>
-          </a:p>
-        </p:txBody>
-      </p:sp>
-      <p:sp>
-        <p:nvSpPr>
-          <p:cNvPr id="3" name="Segnaposto contenuto 2">
+            <a:r>
+              <a:rPr lang="it-IT" dirty="0"/>
+              <a:t>3. Struttura dell’agente</a:t>
+            </a:r>
+          </a:p>
+        </p:txBody>
+      </p:sp>
+      <p:pic>
+        <p:nvPicPr>
+          <p:cNvPr id="5" name="Segnaposto contenuto 4">
             <a:extLst>
               <a:ext uri="{FF2B5EF4-FFF2-40B4-BE49-F238E27FC236}">
-                <a16:creationId xmlns:a16="http://schemas.microsoft.com/office/drawing/2014/main" id="{BBB39AF3-181E-3856-7935-68C478ADBF4B}"/>
+                <a16:creationId xmlns:a16="http://schemas.microsoft.com/office/drawing/2014/main" id="{5A558136-CCF3-55AC-54AE-98C8DA8D53B9}"/>
               </a:ext>
             </a:extLst>
           </p:cNvPr>
-          <p:cNvSpPr>
-            <a:spLocks noGrp="1"/>
-          </p:cNvSpPr>
+          <p:cNvPicPr>
+            <a:picLocks noGrp="1" noChangeAspect="1"/>
+          </p:cNvPicPr>
           <p:nvPr>
             <p:ph idx="1"/>
           </p:nvPr>
-        </p:nvSpPr>
-        <p:spPr/>
-        <p:txBody>
-          <a:bodyPr/>
-          <a:lstStyle/>
-          <a:p>
-            <a:endParaRPr lang="it-IT"/>
-          </a:p>
-        </p:txBody>
-      </p:sp>
+        </p:nvPicPr>
+        <p:blipFill>
+          <a:blip r:embed="rId2">
+            <a:extLst>
+              <a:ext uri="{28A0092B-C50C-407E-A947-70E740481C1C}">
+                <a14:useLocalDpi xmlns:a14="http://schemas.microsoft.com/office/drawing/2010/main" val="0"/>
+              </a:ext>
+            </a:extLst>
+          </a:blip>
+          <a:stretch>
+            <a:fillRect/>
+          </a:stretch>
+        </p:blipFill>
+        <p:spPr>
+          <a:xfrm>
+            <a:off x="1855401" y="1306286"/>
+            <a:ext cx="8830482" cy="5206482"/>
+          </a:xfrm>
+        </p:spPr>
+      </p:pic>
     </p:spTree>
     <p:extLst>
       <p:ext uri="{BB962C8B-B14F-4D97-AF65-F5344CB8AC3E}">
@@ -8644,7 +9557,7 @@
           <a:p>
             <a:r>
               <a:rPr lang="it-IT" dirty="0"/>
-              <a:t>3. Algoritmo</a:t>
+              <a:t>4. Algoritmo</a:t>
             </a:r>
           </a:p>
         </p:txBody>
@@ -8667,13 +9580,13 @@
         </p:nvSpPr>
         <p:spPr>
           <a:xfrm>
-            <a:off x="2589212" y="2133600"/>
-            <a:ext cx="8915400" cy="3368984"/>
+            <a:off x="2122682" y="1611085"/>
+            <a:ext cx="8915400" cy="4257869"/>
           </a:xfrm>
         </p:spPr>
         <p:txBody>
           <a:bodyPr>
-            <a:normAutofit fontScale="92500" lnSpcReduction="20000"/>
+            <a:normAutofit/>
           </a:bodyPr>
           <a:lstStyle/>
           <a:p>
@@ -8715,7 +9628,7 @@
             </a:pPr>
             <a:r>
               <a:rPr lang="it-IT" dirty="0"/>
-              <a:t>I punti in questione sono dei pattern grafici, es. curve, angoli, circonferenze, quadrati, …</a:t>
+              <a:t>I punti in questione sono dei pattern grafici, come ad esempio curve, angoli, circonferenze, quadrati.</a:t>
             </a:r>
           </a:p>
           <a:p>
@@ -8783,7 +9696,7 @@
           <p:cNvPr id="2" name="Titolo 1">
             <a:extLst>
               <a:ext uri="{FF2B5EF4-FFF2-40B4-BE49-F238E27FC236}">
-                <a16:creationId xmlns:a16="http://schemas.microsoft.com/office/drawing/2014/main" id="{E1CFBCDC-E184-C230-FAEF-5A33546EB70D}"/>
+                <a16:creationId xmlns:a16="http://schemas.microsoft.com/office/drawing/2014/main" id="{605F6E8D-C07E-ECBC-FDE4-D43F4FC5E857}"/>
               </a:ext>
             </a:extLst>
           </p:cNvPr>
@@ -8794,21 +9707,14 @@
             <p:ph type="title"/>
           </p:nvPr>
         </p:nvSpPr>
-        <p:spPr>
-          <a:xfrm>
-            <a:off x="2592925" y="624110"/>
-            <a:ext cx="8911687" cy="597787"/>
-          </a:xfrm>
-        </p:spPr>
-        <p:txBody>
-          <a:bodyPr>
-            <a:normAutofit fontScale="90000"/>
-          </a:bodyPr>
+        <p:spPr/>
+        <p:txBody>
+          <a:bodyPr/>
           <a:lstStyle/>
           <a:p>
             <a:r>
               <a:rPr lang="it-IT" dirty="0"/>
-              <a:t>4. Dataset</a:t>
+              <a:t>4. Algoritmo</a:t>
             </a:r>
           </a:p>
         </p:txBody>
@@ -8818,7 +9724,7 @@
           <p:cNvPr id="3" name="Segnaposto contenuto 2">
             <a:extLst>
               <a:ext uri="{FF2B5EF4-FFF2-40B4-BE49-F238E27FC236}">
-                <a16:creationId xmlns:a16="http://schemas.microsoft.com/office/drawing/2014/main" id="{56B05CCB-ACF3-691A-0384-8F577FF2E51E}"/>
+                <a16:creationId xmlns:a16="http://schemas.microsoft.com/office/drawing/2014/main" id="{5ADD0DD2-3690-1C98-93AA-A6084C4600CC}"/>
               </a:ext>
             </a:extLst>
           </p:cNvPr>
@@ -8831,8 +9737,8 @@
         </p:nvSpPr>
         <p:spPr>
           <a:xfrm>
-            <a:off x="2592925" y="1445777"/>
-            <a:ext cx="8915400" cy="3777622"/>
+            <a:off x="1758788" y="1452464"/>
+            <a:ext cx="8915400" cy="4668417"/>
           </a:xfrm>
         </p:spPr>
         <p:txBody>
@@ -8840,33 +9746,159 @@
           <a:lstStyle/>
           <a:p>
             <a:r>
+              <a:rPr lang="it-IT" sz="2000" dirty="0"/>
+              <a:t>Definizione dei </a:t>
+            </a:r>
+            <a:r>
+              <a:rPr lang="it-IT" sz="2000" dirty="0" err="1"/>
+              <a:t>layers</a:t>
+            </a:r>
+            <a:r>
               <a:rPr lang="it-IT" dirty="0"/>
-              <a:t>Il dataset di riferimento è composto da ? immagini, suddivise nelle 4 categorie (semafori, limiti di velocità, stop e attraversamenti pedonali)</a:t>
-            </a:r>
-          </a:p>
-          <a:p>
+              <a:t>:</a:t>
+            </a:r>
+          </a:p>
+          <a:p>
+            <a:pPr>
+              <a:buFont typeface="+mj-lt"/>
+              <a:buAutoNum type="arabicPeriod"/>
+            </a:pPr>
+            <a:r>
+              <a:rPr lang="it-IT" b="1" dirty="0"/>
+              <a:t>Conv2D</a:t>
+            </a:r>
             <a:r>
               <a:rPr lang="it-IT" dirty="0"/>
-              <a:t>Breve descrizione data </a:t>
+              <a:t>: Il </a:t>
             </a:r>
             <a:r>
               <a:rPr lang="it-IT" dirty="0" err="1"/>
-              <a:t>cleaning</a:t>
-            </a:r>
-            <a:endParaRPr lang="it-IT" dirty="0"/>
-          </a:p>
-          <a:p>
+              <a:t>layer</a:t>
+            </a:r>
             <a:r>
               <a:rPr lang="it-IT" dirty="0"/>
-              <a:t> Link dataset originale: </a:t>
-            </a:r>
+              <a:t> di convoluzione che si occupa di estrarre le feature e attraverso il kernel (la matrice) con cui viene convoluto l’input per ottenere una feature </a:t>
+            </a:r>
+            <a:r>
+              <a:rPr lang="it-IT" dirty="0" err="1"/>
+              <a:t>map</a:t>
+            </a:r>
+            <a:r>
+              <a:rPr lang="it-IT" dirty="0"/>
+              <a:t>.</a:t>
+            </a:r>
+          </a:p>
+          <a:p>
+            <a:pPr>
+              <a:buFont typeface="+mj-lt"/>
+              <a:buAutoNum type="arabicPeriod"/>
+            </a:pPr>
+            <a:r>
+              <a:rPr lang="it-IT" b="1" dirty="0"/>
+              <a:t>MaxPool2D</a:t>
+            </a:r>
+            <a:r>
+              <a:rPr lang="it-IT" dirty="0"/>
+              <a:t>: si occupa di calcolare il valore massimo per ciascuna feature </a:t>
+            </a:r>
+            <a:r>
+              <a:rPr lang="it-IT" dirty="0" err="1"/>
+              <a:t>map</a:t>
+            </a:r>
+            <a:r>
+              <a:rPr lang="it-IT" dirty="0"/>
+              <a:t>. Crea una rappresentazione che comprende i valori qui presenti. </a:t>
+            </a:r>
+          </a:p>
+          <a:p>
+            <a:pPr>
+              <a:buFont typeface="+mj-lt"/>
+              <a:buAutoNum type="arabicPeriod"/>
+            </a:pPr>
+            <a:r>
+              <a:rPr lang="it-IT" b="1" dirty="0" err="1"/>
+              <a:t>Flattern</a:t>
+            </a:r>
+            <a:r>
+              <a:rPr lang="it-IT" dirty="0"/>
+              <a:t>: il </a:t>
+            </a:r>
+            <a:r>
+              <a:rPr lang="it-IT" dirty="0" err="1"/>
+              <a:t>layer</a:t>
+            </a:r>
+            <a:r>
+              <a:rPr lang="it-IT" dirty="0"/>
+              <a:t> che si occupa di rimuovere tutte le dimensioni dopo i </a:t>
+            </a:r>
+            <a:r>
+              <a:rPr lang="it-IT" dirty="0" err="1"/>
+              <a:t>layer</a:t>
+            </a:r>
+            <a:r>
+              <a:rPr lang="it-IT" dirty="0"/>
+              <a:t> di convoluzione (Conv2D, MaxPool2D) tranne una. </a:t>
+            </a:r>
+          </a:p>
+          <a:p>
+            <a:pPr>
+              <a:buFont typeface="+mj-lt"/>
+              <a:buAutoNum type="arabicPeriod"/>
+            </a:pPr>
+            <a:r>
+              <a:rPr lang="it-IT" b="1" dirty="0"/>
+              <a:t>Dropout: </a:t>
+            </a:r>
+            <a:r>
+              <a:rPr lang="it-IT" dirty="0"/>
+              <a:t>dei neuroni selezionati in maniera casuale vengono ignorati durante l’allenamento</a:t>
+            </a:r>
+            <a:r>
+              <a:rPr lang="it-IT" b="1" dirty="0"/>
+              <a:t> </a:t>
+            </a:r>
+          </a:p>
+          <a:p>
+            <a:pPr>
+              <a:buFont typeface="+mj-lt"/>
+              <a:buAutoNum type="arabicPeriod"/>
+            </a:pPr>
+            <a:r>
+              <a:rPr lang="it-IT" b="1" dirty="0"/>
+              <a:t>Dense: </a:t>
+            </a:r>
+            <a:r>
+              <a:rPr lang="it-IT" dirty="0" err="1"/>
+              <a:t>layer</a:t>
+            </a:r>
+            <a:r>
+              <a:rPr lang="it-IT" dirty="0"/>
+              <a:t> composto da </a:t>
+            </a:r>
+            <a:r>
+              <a:rPr lang="it-IT" b="1" dirty="0"/>
+              <a:t>n </a:t>
+            </a:r>
+            <a:r>
+              <a:rPr lang="it-IT" dirty="0"/>
+              <a:t>neuroni in cui gli input vengono pesati e, assieme al </a:t>
+            </a:r>
+            <a:r>
+              <a:rPr lang="it-IT" dirty="0" err="1"/>
+              <a:t>bias</a:t>
+            </a:r>
+            <a:r>
+              <a:rPr lang="it-IT" dirty="0"/>
+              <a:t>, vengono trasferiti attraverso la funzione di attivazione dell’output. </a:t>
+            </a:r>
+            <a:endParaRPr lang="it-IT" b="1" dirty="0"/>
           </a:p>
         </p:txBody>
       </p:sp>
     </p:spTree>
     <p:extLst>
       <p:ext uri="{BB962C8B-B14F-4D97-AF65-F5344CB8AC3E}">
-        <p14:creationId xmlns:p14="http://schemas.microsoft.com/office/powerpoint/2010/main" val="2198489557"/>
+        <p14:creationId xmlns:p14="http://schemas.microsoft.com/office/powerpoint/2010/main" val="441261301"/>
       </p:ext>
     </p:extLst>
   </p:cSld>

--- a/documentazione/Presentazione fia.pptx
+++ b/documentazione/Presentazione fia.pptx
@@ -310,7 +310,7 @@
           <a:p>
             <a:fld id="{D3007E90-0CF4-4B56-9D2F-9833898221B1}" type="datetimeFigureOut">
               <a:rPr lang="it-IT" smtClean="0"/>
-              <a:t>31/05/2022</a:t>
+              <a:t>14/06/2022</a:t>
             </a:fld>
             <a:endParaRPr lang="it-IT"/>
           </a:p>
@@ -648,7 +648,7 @@
           <a:p>
             <a:fld id="{D3007E90-0CF4-4B56-9D2F-9833898221B1}" type="datetimeFigureOut">
               <a:rPr lang="it-IT" smtClean="0"/>
-              <a:t>31/05/2022</a:t>
+              <a:t>14/06/2022</a:t>
             </a:fld>
             <a:endParaRPr lang="it-IT"/>
           </a:p>
@@ -1049,7 +1049,7 @@
           <a:p>
             <a:fld id="{D3007E90-0CF4-4B56-9D2F-9833898221B1}" type="datetimeFigureOut">
               <a:rPr lang="it-IT" smtClean="0"/>
-              <a:t>31/05/2022</a:t>
+              <a:t>14/06/2022</a:t>
             </a:fld>
             <a:endParaRPr lang="it-IT"/>
           </a:p>
@@ -1385,7 +1385,7 @@
           <a:p>
             <a:fld id="{D3007E90-0CF4-4B56-9D2F-9833898221B1}" type="datetimeFigureOut">
               <a:rPr lang="it-IT" smtClean="0"/>
-              <a:t>31/05/2022</a:t>
+              <a:t>14/06/2022</a:t>
             </a:fld>
             <a:endParaRPr lang="it-IT"/>
           </a:p>
@@ -1705,7 +1705,7 @@
           <a:p>
             <a:fld id="{D3007E90-0CF4-4B56-9D2F-9833898221B1}" type="datetimeFigureOut">
               <a:rPr lang="it-IT" smtClean="0"/>
-              <a:t>31/05/2022</a:t>
+              <a:t>14/06/2022</a:t>
             </a:fld>
             <a:endParaRPr lang="it-IT"/>
           </a:p>
@@ -2101,7 +2101,7 @@
           <a:p>
             <a:fld id="{D3007E90-0CF4-4B56-9D2F-9833898221B1}" type="datetimeFigureOut">
               <a:rPr lang="it-IT" smtClean="0"/>
-              <a:t>31/05/2022</a:t>
+              <a:t>14/06/2022</a:t>
             </a:fld>
             <a:endParaRPr lang="it-IT"/>
           </a:p>
@@ -2358,7 +2358,7 @@
           <a:p>
             <a:fld id="{D3007E90-0CF4-4B56-9D2F-9833898221B1}" type="datetimeFigureOut">
               <a:rPr lang="it-IT" smtClean="0"/>
-              <a:t>31/05/2022</a:t>
+              <a:t>14/06/2022</a:t>
             </a:fld>
             <a:endParaRPr lang="it-IT"/>
           </a:p>
@@ -2620,7 +2620,7 @@
           <a:p>
             <a:fld id="{D3007E90-0CF4-4B56-9D2F-9833898221B1}" type="datetimeFigureOut">
               <a:rPr lang="it-IT" smtClean="0"/>
-              <a:t>31/05/2022</a:t>
+              <a:t>14/06/2022</a:t>
             </a:fld>
             <a:endParaRPr lang="it-IT"/>
           </a:p>
@@ -2882,7 +2882,7 @@
           <a:p>
             <a:fld id="{D3007E90-0CF4-4B56-9D2F-9833898221B1}" type="datetimeFigureOut">
               <a:rPr lang="it-IT" smtClean="0"/>
-              <a:t>31/05/2022</a:t>
+              <a:t>14/06/2022</a:t>
             </a:fld>
             <a:endParaRPr lang="it-IT"/>
           </a:p>
@@ -3211,7 +3211,7 @@
           <a:p>
             <a:fld id="{D3007E90-0CF4-4B56-9D2F-9833898221B1}" type="datetimeFigureOut">
               <a:rPr lang="it-IT" smtClean="0"/>
-              <a:t>31/05/2022</a:t>
+              <a:t>14/06/2022</a:t>
             </a:fld>
             <a:endParaRPr lang="it-IT"/>
           </a:p>
@@ -3534,7 +3534,7 @@
           <a:p>
             <a:fld id="{D3007E90-0CF4-4B56-9D2F-9833898221B1}" type="datetimeFigureOut">
               <a:rPr lang="it-IT" smtClean="0"/>
-              <a:t>31/05/2022</a:t>
+              <a:t>14/06/2022</a:t>
             </a:fld>
             <a:endParaRPr lang="it-IT"/>
           </a:p>
@@ -3991,7 +3991,7 @@
           <a:p>
             <a:fld id="{D3007E90-0CF4-4B56-9D2F-9833898221B1}" type="datetimeFigureOut">
               <a:rPr lang="it-IT" smtClean="0"/>
-              <a:t>31/05/2022</a:t>
+              <a:t>14/06/2022</a:t>
             </a:fld>
             <a:endParaRPr lang="it-IT"/>
           </a:p>
@@ -4196,7 +4196,7 @@
           <a:p>
             <a:fld id="{D3007E90-0CF4-4B56-9D2F-9833898221B1}" type="datetimeFigureOut">
               <a:rPr lang="it-IT" smtClean="0"/>
-              <a:t>31/05/2022</a:t>
+              <a:t>14/06/2022</a:t>
             </a:fld>
             <a:endParaRPr lang="it-IT"/>
           </a:p>
@@ -4373,7 +4373,7 @@
           <a:p>
             <a:fld id="{D3007E90-0CF4-4B56-9D2F-9833898221B1}" type="datetimeFigureOut">
               <a:rPr lang="it-IT" smtClean="0"/>
-              <a:t>31/05/2022</a:t>
+              <a:t>14/06/2022</a:t>
             </a:fld>
             <a:endParaRPr lang="it-IT"/>
           </a:p>
@@ -4706,7 +4706,7 @@
           <a:p>
             <a:fld id="{D3007E90-0CF4-4B56-9D2F-9833898221B1}" type="datetimeFigureOut">
               <a:rPr lang="it-IT" smtClean="0"/>
-              <a:t>31/05/2022</a:t>
+              <a:t>14/06/2022</a:t>
             </a:fld>
             <a:endParaRPr lang="it-IT"/>
           </a:p>
@@ -5051,7 +5051,7 @@
           <a:p>
             <a:fld id="{D3007E90-0CF4-4B56-9D2F-9833898221B1}" type="datetimeFigureOut">
               <a:rPr lang="it-IT" smtClean="0"/>
-              <a:t>31/05/2022</a:t>
+              <a:t>14/06/2022</a:t>
             </a:fld>
             <a:endParaRPr lang="it-IT"/>
           </a:p>
@@ -7168,7 +7168,7 @@
           <a:p>
             <a:fld id="{D3007E90-0CF4-4B56-9D2F-9833898221B1}" type="datetimeFigureOut">
               <a:rPr lang="it-IT" smtClean="0"/>
-              <a:t>31/05/2022</a:t>
+              <a:t>14/06/2022</a:t>
             </a:fld>
             <a:endParaRPr lang="it-IT"/>
           </a:p>
@@ -8254,22 +8254,13 @@
           <a:p>
             <a:r>
               <a:rPr lang="it-IT" sz="2000" dirty="0"/>
-              <a:t>Il dataset presenta una maggiore presenza di segnali di limiti di velocità. Per questo abbiamo ridotto il numero di immagini di tale categoria, riducendo </a:t>
-            </a:r>
-            <a:r>
-              <a:rPr lang="it-IT" sz="2000" b="1" dirty="0"/>
-              <a:t>l’</a:t>
-            </a:r>
-            <a:r>
-              <a:rPr lang="it-IT" sz="2000" b="1" dirty="0" err="1"/>
-              <a:t>overfitting</a:t>
-            </a:r>
-            <a:endParaRPr lang="it-IT" sz="2000" dirty="0"/>
+              <a:t>Il dataset presenta una maggiore presenza di segnali di limiti di velocità. Per questo abbiamo ridotto il numero di immagini di tale categoria all’interno del codice per bilanciare il dataset in fase di esecuzione.</a:t>
+            </a:r>
           </a:p>
           <a:p>
             <a:r>
               <a:rPr lang="it-IT" sz="2000" dirty="0"/>
-              <a:t> Ad ogni immagine è associato un file .xml per l’estrazione dei dati di ogni foto del dataset.</a:t>
+              <a:t>Ad ogni immagine è associato un file .xml per l’estrazione dei dati di ogni foto del dataset.</a:t>
             </a:r>
           </a:p>
           <a:p>

--- a/documentazione/Presentazione fia.pptx
+++ b/documentazione/Presentazione fia.pptx
@@ -310,7 +310,7 @@
           <a:p>
             <a:fld id="{D3007E90-0CF4-4B56-9D2F-9833898221B1}" type="datetimeFigureOut">
               <a:rPr lang="it-IT" smtClean="0"/>
-              <a:t>14/06/2022</a:t>
+              <a:t>22/06/2022</a:t>
             </a:fld>
             <a:endParaRPr lang="it-IT"/>
           </a:p>
@@ -648,7 +648,7 @@
           <a:p>
             <a:fld id="{D3007E90-0CF4-4B56-9D2F-9833898221B1}" type="datetimeFigureOut">
               <a:rPr lang="it-IT" smtClean="0"/>
-              <a:t>14/06/2022</a:t>
+              <a:t>22/06/2022</a:t>
             </a:fld>
             <a:endParaRPr lang="it-IT"/>
           </a:p>
@@ -1049,7 +1049,7 @@
           <a:p>
             <a:fld id="{D3007E90-0CF4-4B56-9D2F-9833898221B1}" type="datetimeFigureOut">
               <a:rPr lang="it-IT" smtClean="0"/>
-              <a:t>14/06/2022</a:t>
+              <a:t>22/06/2022</a:t>
             </a:fld>
             <a:endParaRPr lang="it-IT"/>
           </a:p>
@@ -1385,7 +1385,7 @@
           <a:p>
             <a:fld id="{D3007E90-0CF4-4B56-9D2F-9833898221B1}" type="datetimeFigureOut">
               <a:rPr lang="it-IT" smtClean="0"/>
-              <a:t>14/06/2022</a:t>
+              <a:t>22/06/2022</a:t>
             </a:fld>
             <a:endParaRPr lang="it-IT"/>
           </a:p>
@@ -1705,7 +1705,7 @@
           <a:p>
             <a:fld id="{D3007E90-0CF4-4B56-9D2F-9833898221B1}" type="datetimeFigureOut">
               <a:rPr lang="it-IT" smtClean="0"/>
-              <a:t>14/06/2022</a:t>
+              <a:t>22/06/2022</a:t>
             </a:fld>
             <a:endParaRPr lang="it-IT"/>
           </a:p>
@@ -2101,7 +2101,7 @@
           <a:p>
             <a:fld id="{D3007E90-0CF4-4B56-9D2F-9833898221B1}" type="datetimeFigureOut">
               <a:rPr lang="it-IT" smtClean="0"/>
-              <a:t>14/06/2022</a:t>
+              <a:t>22/06/2022</a:t>
             </a:fld>
             <a:endParaRPr lang="it-IT"/>
           </a:p>
@@ -2358,7 +2358,7 @@
           <a:p>
             <a:fld id="{D3007E90-0CF4-4B56-9D2F-9833898221B1}" type="datetimeFigureOut">
               <a:rPr lang="it-IT" smtClean="0"/>
-              <a:t>14/06/2022</a:t>
+              <a:t>22/06/2022</a:t>
             </a:fld>
             <a:endParaRPr lang="it-IT"/>
           </a:p>
@@ -2620,7 +2620,7 @@
           <a:p>
             <a:fld id="{D3007E90-0CF4-4B56-9D2F-9833898221B1}" type="datetimeFigureOut">
               <a:rPr lang="it-IT" smtClean="0"/>
-              <a:t>14/06/2022</a:t>
+              <a:t>22/06/2022</a:t>
             </a:fld>
             <a:endParaRPr lang="it-IT"/>
           </a:p>
@@ -2882,7 +2882,7 @@
           <a:p>
             <a:fld id="{D3007E90-0CF4-4B56-9D2F-9833898221B1}" type="datetimeFigureOut">
               <a:rPr lang="it-IT" smtClean="0"/>
-              <a:t>14/06/2022</a:t>
+              <a:t>22/06/2022</a:t>
             </a:fld>
             <a:endParaRPr lang="it-IT"/>
           </a:p>
@@ -3211,7 +3211,7 @@
           <a:p>
             <a:fld id="{D3007E90-0CF4-4B56-9D2F-9833898221B1}" type="datetimeFigureOut">
               <a:rPr lang="it-IT" smtClean="0"/>
-              <a:t>14/06/2022</a:t>
+              <a:t>22/06/2022</a:t>
             </a:fld>
             <a:endParaRPr lang="it-IT"/>
           </a:p>
@@ -3534,7 +3534,7 @@
           <a:p>
             <a:fld id="{D3007E90-0CF4-4B56-9D2F-9833898221B1}" type="datetimeFigureOut">
               <a:rPr lang="it-IT" smtClean="0"/>
-              <a:t>14/06/2022</a:t>
+              <a:t>22/06/2022</a:t>
             </a:fld>
             <a:endParaRPr lang="it-IT"/>
           </a:p>
@@ -3991,7 +3991,7 @@
           <a:p>
             <a:fld id="{D3007E90-0CF4-4B56-9D2F-9833898221B1}" type="datetimeFigureOut">
               <a:rPr lang="it-IT" smtClean="0"/>
-              <a:t>14/06/2022</a:t>
+              <a:t>22/06/2022</a:t>
             </a:fld>
             <a:endParaRPr lang="it-IT"/>
           </a:p>
@@ -4196,7 +4196,7 @@
           <a:p>
             <a:fld id="{D3007E90-0CF4-4B56-9D2F-9833898221B1}" type="datetimeFigureOut">
               <a:rPr lang="it-IT" smtClean="0"/>
-              <a:t>14/06/2022</a:t>
+              <a:t>22/06/2022</a:t>
             </a:fld>
             <a:endParaRPr lang="it-IT"/>
           </a:p>
@@ -4373,7 +4373,7 @@
           <a:p>
             <a:fld id="{D3007E90-0CF4-4B56-9D2F-9833898221B1}" type="datetimeFigureOut">
               <a:rPr lang="it-IT" smtClean="0"/>
-              <a:t>14/06/2022</a:t>
+              <a:t>22/06/2022</a:t>
             </a:fld>
             <a:endParaRPr lang="it-IT"/>
           </a:p>
@@ -4706,7 +4706,7 @@
           <a:p>
             <a:fld id="{D3007E90-0CF4-4B56-9D2F-9833898221B1}" type="datetimeFigureOut">
               <a:rPr lang="it-IT" smtClean="0"/>
-              <a:t>14/06/2022</a:t>
+              <a:t>22/06/2022</a:t>
             </a:fld>
             <a:endParaRPr lang="it-IT"/>
           </a:p>
@@ -5051,7 +5051,7 @@
           <a:p>
             <a:fld id="{D3007E90-0CF4-4B56-9D2F-9833898221B1}" type="datetimeFigureOut">
               <a:rPr lang="it-IT" smtClean="0"/>
-              <a:t>14/06/2022</a:t>
+              <a:t>22/06/2022</a:t>
             </a:fld>
             <a:endParaRPr lang="it-IT"/>
           </a:p>
@@ -7168,7 +7168,7 @@
           <a:p>
             <a:fld id="{D3007E90-0CF4-4B56-9D2F-9833898221B1}" type="datetimeFigureOut">
               <a:rPr lang="it-IT" smtClean="0"/>
-              <a:t>14/06/2022</a:t>
+              <a:t>22/06/2022</a:t>
             </a:fld>
             <a:endParaRPr lang="it-IT"/>
           </a:p>
@@ -9768,7 +9768,15 @@
             </a:r>
             <a:r>
               <a:rPr lang="it-IT" dirty="0"/>
-              <a:t> di convoluzione che si occupa di estrarre le feature e attraverso il kernel (la matrice) con cui viene convoluto l’input per ottenere una feature </a:t>
+              <a:t> di convoluzione che si occupa di estrarre </a:t>
+            </a:r>
+            <a:r>
+              <a:rPr lang="it-IT"/>
+              <a:t>le features </a:t>
+            </a:r>
+            <a:r>
+              <a:rPr lang="it-IT" dirty="0"/>
+              <a:t>e attraverso il kernel (la matrice) con cui viene convoluto l’input per ottenere una feature </a:t>
             </a:r>
             <a:r>
               <a:rPr lang="it-IT" dirty="0" err="1"/>
@@ -9808,7 +9816,7 @@
             </a:pPr>
             <a:r>
               <a:rPr lang="it-IT" b="1" dirty="0" err="1"/>
-              <a:t>Flattern</a:t>
+              <a:t>Flatten</a:t>
             </a:r>
             <a:r>
               <a:rPr lang="it-IT" dirty="0"/>

--- a/documentazione/Presentazione fia.pptx
+++ b/documentazione/Presentazione fia.pptx
@@ -10,12 +10,15 @@
     <p:sldId id="258" r:id="rId4"/>
     <p:sldId id="259" r:id="rId5"/>
     <p:sldId id="260" r:id="rId6"/>
-    <p:sldId id="261" r:id="rId7"/>
-    <p:sldId id="262" r:id="rId8"/>
-    <p:sldId id="263" r:id="rId9"/>
-    <p:sldId id="266" r:id="rId10"/>
-    <p:sldId id="264" r:id="rId11"/>
-    <p:sldId id="265" r:id="rId12"/>
+    <p:sldId id="267" r:id="rId7"/>
+    <p:sldId id="268" r:id="rId8"/>
+    <p:sldId id="261" r:id="rId9"/>
+    <p:sldId id="262" r:id="rId10"/>
+    <p:sldId id="263" r:id="rId11"/>
+    <p:sldId id="266" r:id="rId12"/>
+    <p:sldId id="264" r:id="rId13"/>
+    <p:sldId id="265" r:id="rId14"/>
+    <p:sldId id="269" r:id="rId15"/>
   </p:sldIdLst>
   <p:sldSz cx="12192000" cy="6858000"/>
   <p:notesSz cx="6858000" cy="9144000"/>
@@ -310,7 +313,7 @@
           <a:p>
             <a:fld id="{D3007E90-0CF4-4B56-9D2F-9833898221B1}" type="datetimeFigureOut">
               <a:rPr lang="it-IT" smtClean="0"/>
-              <a:t>22/06/2022</a:t>
+              <a:t>17/10/2022</a:t>
             </a:fld>
             <a:endParaRPr lang="it-IT"/>
           </a:p>
@@ -648,7 +651,7 @@
           <a:p>
             <a:fld id="{D3007E90-0CF4-4B56-9D2F-9833898221B1}" type="datetimeFigureOut">
               <a:rPr lang="it-IT" smtClean="0"/>
-              <a:t>22/06/2022</a:t>
+              <a:t>17/10/2022</a:t>
             </a:fld>
             <a:endParaRPr lang="it-IT"/>
           </a:p>
@@ -1049,7 +1052,7 @@
           <a:p>
             <a:fld id="{D3007E90-0CF4-4B56-9D2F-9833898221B1}" type="datetimeFigureOut">
               <a:rPr lang="it-IT" smtClean="0"/>
-              <a:t>22/06/2022</a:t>
+              <a:t>17/10/2022</a:t>
             </a:fld>
             <a:endParaRPr lang="it-IT"/>
           </a:p>
@@ -1385,7 +1388,7 @@
           <a:p>
             <a:fld id="{D3007E90-0CF4-4B56-9D2F-9833898221B1}" type="datetimeFigureOut">
               <a:rPr lang="it-IT" smtClean="0"/>
-              <a:t>22/06/2022</a:t>
+              <a:t>17/10/2022</a:t>
             </a:fld>
             <a:endParaRPr lang="it-IT"/>
           </a:p>
@@ -1705,7 +1708,7 @@
           <a:p>
             <a:fld id="{D3007E90-0CF4-4B56-9D2F-9833898221B1}" type="datetimeFigureOut">
               <a:rPr lang="it-IT" smtClean="0"/>
-              <a:t>22/06/2022</a:t>
+              <a:t>17/10/2022</a:t>
             </a:fld>
             <a:endParaRPr lang="it-IT"/>
           </a:p>
@@ -2101,7 +2104,7 @@
           <a:p>
             <a:fld id="{D3007E90-0CF4-4B56-9D2F-9833898221B1}" type="datetimeFigureOut">
               <a:rPr lang="it-IT" smtClean="0"/>
-              <a:t>22/06/2022</a:t>
+              <a:t>17/10/2022</a:t>
             </a:fld>
             <a:endParaRPr lang="it-IT"/>
           </a:p>
@@ -2358,7 +2361,7 @@
           <a:p>
             <a:fld id="{D3007E90-0CF4-4B56-9D2F-9833898221B1}" type="datetimeFigureOut">
               <a:rPr lang="it-IT" smtClean="0"/>
-              <a:t>22/06/2022</a:t>
+              <a:t>17/10/2022</a:t>
             </a:fld>
             <a:endParaRPr lang="it-IT"/>
           </a:p>
@@ -2620,7 +2623,7 @@
           <a:p>
             <a:fld id="{D3007E90-0CF4-4B56-9D2F-9833898221B1}" type="datetimeFigureOut">
               <a:rPr lang="it-IT" smtClean="0"/>
-              <a:t>22/06/2022</a:t>
+              <a:t>17/10/2022</a:t>
             </a:fld>
             <a:endParaRPr lang="it-IT"/>
           </a:p>
@@ -2882,7 +2885,7 @@
           <a:p>
             <a:fld id="{D3007E90-0CF4-4B56-9D2F-9833898221B1}" type="datetimeFigureOut">
               <a:rPr lang="it-IT" smtClean="0"/>
-              <a:t>22/06/2022</a:t>
+              <a:t>17/10/2022</a:t>
             </a:fld>
             <a:endParaRPr lang="it-IT"/>
           </a:p>
@@ -3211,7 +3214,7 @@
           <a:p>
             <a:fld id="{D3007E90-0CF4-4B56-9D2F-9833898221B1}" type="datetimeFigureOut">
               <a:rPr lang="it-IT" smtClean="0"/>
-              <a:t>22/06/2022</a:t>
+              <a:t>17/10/2022</a:t>
             </a:fld>
             <a:endParaRPr lang="it-IT"/>
           </a:p>
@@ -3534,7 +3537,7 @@
           <a:p>
             <a:fld id="{D3007E90-0CF4-4B56-9D2F-9833898221B1}" type="datetimeFigureOut">
               <a:rPr lang="it-IT" smtClean="0"/>
-              <a:t>22/06/2022</a:t>
+              <a:t>17/10/2022</a:t>
             </a:fld>
             <a:endParaRPr lang="it-IT"/>
           </a:p>
@@ -3991,7 +3994,7 @@
           <a:p>
             <a:fld id="{D3007E90-0CF4-4B56-9D2F-9833898221B1}" type="datetimeFigureOut">
               <a:rPr lang="it-IT" smtClean="0"/>
-              <a:t>22/06/2022</a:t>
+              <a:t>17/10/2022</a:t>
             </a:fld>
             <a:endParaRPr lang="it-IT"/>
           </a:p>
@@ -4196,7 +4199,7 @@
           <a:p>
             <a:fld id="{D3007E90-0CF4-4B56-9D2F-9833898221B1}" type="datetimeFigureOut">
               <a:rPr lang="it-IT" smtClean="0"/>
-              <a:t>22/06/2022</a:t>
+              <a:t>17/10/2022</a:t>
             </a:fld>
             <a:endParaRPr lang="it-IT"/>
           </a:p>
@@ -4373,7 +4376,7 @@
           <a:p>
             <a:fld id="{D3007E90-0CF4-4B56-9D2F-9833898221B1}" type="datetimeFigureOut">
               <a:rPr lang="it-IT" smtClean="0"/>
-              <a:t>22/06/2022</a:t>
+              <a:t>17/10/2022</a:t>
             </a:fld>
             <a:endParaRPr lang="it-IT"/>
           </a:p>
@@ -4706,7 +4709,7 @@
           <a:p>
             <a:fld id="{D3007E90-0CF4-4B56-9D2F-9833898221B1}" type="datetimeFigureOut">
               <a:rPr lang="it-IT" smtClean="0"/>
-              <a:t>22/06/2022</a:t>
+              <a:t>17/10/2022</a:t>
             </a:fld>
             <a:endParaRPr lang="it-IT"/>
           </a:p>
@@ -5051,7 +5054,7 @@
           <a:p>
             <a:fld id="{D3007E90-0CF4-4B56-9D2F-9833898221B1}" type="datetimeFigureOut">
               <a:rPr lang="it-IT" smtClean="0"/>
-              <a:t>22/06/2022</a:t>
+              <a:t>17/10/2022</a:t>
             </a:fld>
             <a:endParaRPr lang="it-IT"/>
           </a:p>
@@ -7168,7 +7171,7 @@
           <a:p>
             <a:fld id="{D3007E90-0CF4-4B56-9D2F-9833898221B1}" type="datetimeFigureOut">
               <a:rPr lang="it-IT" smtClean="0"/>
-              <a:t>22/06/2022</a:t>
+              <a:t>17/10/2022</a:t>
             </a:fld>
             <a:endParaRPr lang="it-IT"/>
           </a:p>
@@ -8188,7 +8191,7 @@
           <p:cNvPr id="2" name="Titolo 1">
             <a:extLst>
               <a:ext uri="{FF2B5EF4-FFF2-40B4-BE49-F238E27FC236}">
-                <a16:creationId xmlns:a16="http://schemas.microsoft.com/office/drawing/2014/main" id="{E1CFBCDC-E184-C230-FAEF-5A33546EB70D}"/>
+                <a16:creationId xmlns:a16="http://schemas.microsoft.com/office/drawing/2014/main" id="{FF944A28-0241-912E-E90C-DB318F8DBDAD}"/>
               </a:ext>
             </a:extLst>
           </p:cNvPr>
@@ -8199,21 +8202,14 @@
             <p:ph type="title"/>
           </p:nvPr>
         </p:nvSpPr>
-        <p:spPr>
-          <a:xfrm>
-            <a:off x="2592925" y="624110"/>
-            <a:ext cx="8911687" cy="597787"/>
-          </a:xfrm>
-        </p:spPr>
-        <p:txBody>
-          <a:bodyPr>
-            <a:normAutofit fontScale="90000"/>
-          </a:bodyPr>
+        <p:spPr/>
+        <p:txBody>
+          <a:bodyPr/>
           <a:lstStyle/>
           <a:p>
             <a:r>
               <a:rPr lang="it-IT" dirty="0"/>
-              <a:t>5. Dataset</a:t>
+              <a:t>4. Algoritmo</a:t>
             </a:r>
           </a:p>
         </p:txBody>
@@ -8223,7 +8219,7 @@
           <p:cNvPr id="3" name="Segnaposto contenuto 2">
             <a:extLst>
               <a:ext uri="{FF2B5EF4-FFF2-40B4-BE49-F238E27FC236}">
-                <a16:creationId xmlns:a16="http://schemas.microsoft.com/office/drawing/2014/main" id="{56B05CCB-ACF3-691A-0384-8F577FF2E51E}"/>
+                <a16:creationId xmlns:a16="http://schemas.microsoft.com/office/drawing/2014/main" id="{1B666DF8-51CF-4A04-0743-3B6D325B7B00}"/>
               </a:ext>
             </a:extLst>
           </p:cNvPr>
@@ -8236,8 +8232,8 @@
         </p:nvSpPr>
         <p:spPr>
           <a:xfrm>
-            <a:off x="1883391" y="1459425"/>
-            <a:ext cx="10170845" cy="4886784"/>
+            <a:off x="2122682" y="1611085"/>
+            <a:ext cx="8915400" cy="4257869"/>
           </a:xfrm>
         </p:spPr>
         <p:txBody>
@@ -8247,62 +8243,80 @@
           <a:lstStyle/>
           <a:p>
             <a:r>
-              <a:rPr lang="it-IT" sz="2000" dirty="0"/>
-              <a:t>Il dataset di riferimento è composto da 876 immagini, suddivise nelle 4 categorie (semafori, limiti di velocità, stop e attraversamenti pedonali)</a:t>
-            </a:r>
-          </a:p>
-          <a:p>
-            <a:r>
-              <a:rPr lang="it-IT" sz="2000" dirty="0"/>
-              <a:t>Il dataset presenta una maggiore presenza di segnali di limiti di velocità. Per questo abbiamo ridotto il numero di immagini di tale categoria all’interno del codice per bilanciare il dataset in fase di esecuzione.</a:t>
-            </a:r>
-          </a:p>
-          <a:p>
-            <a:r>
-              <a:rPr lang="it-IT" sz="2000" dirty="0"/>
-              <a:t>Ad ogni immagine è associato un file .xml per l’estrazione dei dati di ogni foto del dataset.</a:t>
-            </a:r>
-          </a:p>
-          <a:p>
-            <a:r>
-              <a:rPr lang="it-IT" sz="2000" dirty="0"/>
-              <a:t>I campi di maggior rilievo sono :</a:t>
+              <a:rPr lang="it-IT" dirty="0"/>
+              <a:t>La rete convoluzionale è risultato l’algoritmo migliore per questa tipologia di progetto</a:t>
+            </a:r>
+          </a:p>
+          <a:p>
+            <a:r>
+              <a:rPr lang="it-IT" dirty="0"/>
+              <a:t>Motivazioni:</a:t>
             </a:r>
           </a:p>
           <a:p>
             <a:pPr lvl="1">
-              <a:buFont typeface="+mj-lt"/>
-              <a:buAutoNum type="arabicPeriod"/>
+              <a:buFont typeface="Arial" panose="020B0604020202020204" pitchFamily="34" charset="0"/>
+              <a:buChar char="•"/>
             </a:pPr>
             <a:r>
-              <a:rPr lang="it-IT" sz="1800" dirty="0"/>
-              <a:t>Tag &lt;name&gt;: corrisponde alla categoria dell’immagine, dove nel nostro dataset sono 4.</a:t>
+              <a:rPr lang="it-IT" dirty="0"/>
+              <a:t>L’algoritmo CNN è progettato per riconoscere immagini in modo diretto non richiedendo una grande quantità di preprocessing.</a:t>
             </a:r>
           </a:p>
           <a:p>
             <a:pPr lvl="1">
-              <a:buFont typeface="+mj-lt"/>
-              <a:buAutoNum type="arabicPeriod"/>
+              <a:buFont typeface="Arial" panose="020B0604020202020204" pitchFamily="34" charset="0"/>
+              <a:buChar char="•"/>
             </a:pPr>
             <a:r>
-              <a:rPr lang="it-IT" sz="1800" dirty="0"/>
-              <a:t>&lt;</a:t>
-            </a:r>
-            <a:r>
-              <a:rPr lang="it-IT" sz="1800" dirty="0" err="1"/>
-              <a:t>bndbox</a:t>
-            </a:r>
-            <a:r>
-              <a:rPr lang="it-IT" sz="1800" dirty="0"/>
-              <a:t>&gt;: box che presenta le coordinate in cui si trova il segnale all’interno dell’immagine</a:t>
-            </a:r>
+              <a:rPr lang="it-IT" dirty="0"/>
+              <a:t>La caratteristica principale dello strato di convoluzione è quella di estrarre le feature di ogni immagine che verranno utilizzate per calcolare i punti in comune in fase di apprendimento</a:t>
+            </a:r>
+          </a:p>
+          <a:p>
+            <a:pPr lvl="1">
+              <a:buFont typeface="Arial" panose="020B0604020202020204" pitchFamily="34" charset="0"/>
+              <a:buChar char="•"/>
+            </a:pPr>
+            <a:r>
+              <a:rPr lang="it-IT" dirty="0"/>
+              <a:t>I punti in questione sono dei pattern grafici, come ad esempio curve, angoli, circonferenze, quadrati.</a:t>
+            </a:r>
+          </a:p>
+          <a:p>
+            <a:pPr lvl="1">
+              <a:buFont typeface="Arial" panose="020B0604020202020204" pitchFamily="34" charset="0"/>
+              <a:buChar char="•"/>
+            </a:pPr>
+            <a:r>
+              <a:rPr lang="it-IT" dirty="0"/>
+              <a:t>Tali punti verranno usati per assegnare a ciascuna immagine la categoria alla quale appartiene.</a:t>
+            </a:r>
+          </a:p>
+          <a:p>
+            <a:pPr marL="457200" lvl="1" indent="0">
+              <a:buNone/>
+            </a:pPr>
+            <a:r>
+              <a:rPr lang="it-IT" dirty="0"/>
+              <a:t> </a:t>
+            </a:r>
+          </a:p>
+          <a:p>
+            <a:endParaRPr lang="it-IT" dirty="0"/>
+          </a:p>
+          <a:p>
+            <a:pPr marL="0" indent="0">
+              <a:buNone/>
+            </a:pPr>
+            <a:endParaRPr lang="it-IT" dirty="0"/>
           </a:p>
         </p:txBody>
       </p:sp>
     </p:spTree>
     <p:extLst>
       <p:ext uri="{BB962C8B-B14F-4D97-AF65-F5344CB8AC3E}">
-        <p14:creationId xmlns:p14="http://schemas.microsoft.com/office/powerpoint/2010/main" val="2198489557"/>
+        <p14:creationId xmlns:p14="http://schemas.microsoft.com/office/powerpoint/2010/main" val="1835196440"/>
       </p:ext>
     </p:extLst>
   </p:cSld>
@@ -8334,6 +8348,505 @@
           <p:cNvPr id="2" name="Titolo 1">
             <a:extLst>
               <a:ext uri="{FF2B5EF4-FFF2-40B4-BE49-F238E27FC236}">
+                <a16:creationId xmlns:a16="http://schemas.microsoft.com/office/drawing/2014/main" id="{605F6E8D-C07E-ECBC-FDE4-D43F4FC5E857}"/>
+              </a:ext>
+            </a:extLst>
+          </p:cNvPr>
+          <p:cNvSpPr>
+            <a:spLocks noGrp="1"/>
+          </p:cNvSpPr>
+          <p:nvPr>
+            <p:ph type="title"/>
+          </p:nvPr>
+        </p:nvSpPr>
+        <p:spPr/>
+        <p:txBody>
+          <a:bodyPr/>
+          <a:lstStyle/>
+          <a:p>
+            <a:r>
+              <a:rPr lang="it-IT" dirty="0"/>
+              <a:t>4. Algoritmo</a:t>
+            </a:r>
+          </a:p>
+        </p:txBody>
+      </p:sp>
+      <p:sp>
+        <p:nvSpPr>
+          <p:cNvPr id="3" name="Segnaposto contenuto 2">
+            <a:extLst>
+              <a:ext uri="{FF2B5EF4-FFF2-40B4-BE49-F238E27FC236}">
+                <a16:creationId xmlns:a16="http://schemas.microsoft.com/office/drawing/2014/main" id="{5ADD0DD2-3690-1C98-93AA-A6084C4600CC}"/>
+              </a:ext>
+            </a:extLst>
+          </p:cNvPr>
+          <p:cNvSpPr>
+            <a:spLocks noGrp="1"/>
+          </p:cNvSpPr>
+          <p:nvPr>
+            <p:ph idx="1"/>
+          </p:nvPr>
+        </p:nvSpPr>
+        <p:spPr>
+          <a:xfrm>
+            <a:off x="1660849" y="1362270"/>
+            <a:ext cx="9013339" cy="4758612"/>
+          </a:xfrm>
+        </p:spPr>
+        <p:txBody>
+          <a:bodyPr>
+            <a:normAutofit/>
+          </a:bodyPr>
+          <a:lstStyle/>
+          <a:p>
+            <a:r>
+              <a:rPr lang="it-IT" sz="2000" dirty="0"/>
+              <a:t>Definizione dei </a:t>
+            </a:r>
+            <a:r>
+              <a:rPr lang="it-IT" sz="2000" dirty="0" err="1"/>
+              <a:t>layers</a:t>
+            </a:r>
+            <a:r>
+              <a:rPr lang="it-IT" dirty="0"/>
+              <a:t>:</a:t>
+            </a:r>
+          </a:p>
+          <a:p>
+            <a:pPr>
+              <a:buFont typeface="+mj-lt"/>
+              <a:buAutoNum type="arabicPeriod"/>
+            </a:pPr>
+            <a:r>
+              <a:rPr lang="it-IT" b="1" dirty="0"/>
+              <a:t>Conv2D</a:t>
+            </a:r>
+            <a:r>
+              <a:rPr lang="it-IT" dirty="0"/>
+              <a:t>: </a:t>
+            </a:r>
+            <a:r>
+              <a:rPr lang="it-IT" dirty="0" err="1"/>
+              <a:t>layer</a:t>
+            </a:r>
+            <a:r>
+              <a:rPr lang="it-IT" dirty="0"/>
+              <a:t> di convoluzione che si occupa di costruire una matrice con cui viene convoluto l’input utilizzato per ottenere una Feature Map. </a:t>
+            </a:r>
+          </a:p>
+          <a:p>
+            <a:pPr>
+              <a:buFont typeface="+mj-lt"/>
+              <a:buAutoNum type="arabicPeriod"/>
+            </a:pPr>
+            <a:r>
+              <a:rPr lang="it-IT" b="1" dirty="0"/>
+              <a:t>MaxPool2D</a:t>
+            </a:r>
+            <a:r>
+              <a:rPr lang="it-IT" dirty="0"/>
+              <a:t>: si occupa di calcolare il valore massimo per ciascuna </a:t>
+            </a:r>
+            <a:r>
+              <a:rPr lang="it-IT" dirty="0" err="1"/>
+              <a:t>eature</a:t>
+            </a:r>
+            <a:r>
+              <a:rPr lang="it-IT" dirty="0"/>
+              <a:t> Map. Crea una rappresentazione che comprende i valori più presenti. </a:t>
+            </a:r>
+          </a:p>
+          <a:p>
+            <a:pPr>
+              <a:buFont typeface="+mj-lt"/>
+              <a:buAutoNum type="arabicPeriod"/>
+            </a:pPr>
+            <a:r>
+              <a:rPr lang="it-IT" b="1" dirty="0"/>
+              <a:t>Flatten</a:t>
+            </a:r>
+            <a:r>
+              <a:rPr lang="it-IT" dirty="0"/>
+              <a:t>: </a:t>
+            </a:r>
+            <a:r>
+              <a:rPr lang="it-IT" dirty="0" err="1"/>
+              <a:t>layer</a:t>
+            </a:r>
+            <a:r>
+              <a:rPr lang="it-IT" dirty="0"/>
+              <a:t> che si occupa di appiattire i dati ottenuti dalla matrice di convoluzione formata, rendendola un vettore unidimensionale. </a:t>
+            </a:r>
+          </a:p>
+          <a:p>
+            <a:pPr>
+              <a:buFont typeface="+mj-lt"/>
+              <a:buAutoNum type="arabicPeriod"/>
+            </a:pPr>
+            <a:r>
+              <a:rPr lang="it-IT" b="1" dirty="0"/>
+              <a:t>Dropout: </a:t>
+            </a:r>
+            <a:r>
+              <a:rPr lang="it-IT" dirty="0"/>
+              <a:t>: </a:t>
+            </a:r>
+            <a:r>
+              <a:rPr lang="it-IT" dirty="0" err="1"/>
+              <a:t>layer</a:t>
+            </a:r>
+            <a:r>
+              <a:rPr lang="it-IT" dirty="0"/>
+              <a:t> che si occupa di selezionare in maniera casuale un insieme di neuroni (sia del livello di input che del livello nascosto)che verranno ignorati durante la fase di addestramento</a:t>
+            </a:r>
+            <a:endParaRPr lang="it-IT" b="1" dirty="0"/>
+          </a:p>
+          <a:p>
+            <a:pPr>
+              <a:buFont typeface="+mj-lt"/>
+              <a:buAutoNum type="arabicPeriod"/>
+            </a:pPr>
+            <a:r>
+              <a:rPr lang="it-IT" b="1" dirty="0"/>
+              <a:t>Dense: </a:t>
+            </a:r>
+            <a:r>
+              <a:rPr lang="it-IT" dirty="0" err="1"/>
+              <a:t>layer</a:t>
+            </a:r>
+            <a:r>
+              <a:rPr lang="it-IT" dirty="0"/>
+              <a:t> che si occupa selezionare un numero di neuroni che prenderanno a loro volta in input tutti i dati formattati da Flatten.</a:t>
+            </a:r>
+          </a:p>
+          <a:p>
+            <a:pPr>
+              <a:buFont typeface="+mj-lt"/>
+              <a:buAutoNum type="arabicPeriod"/>
+            </a:pPr>
+            <a:r>
+              <a:rPr lang="it-IT" sz="1800" b="1" dirty="0">
+                <a:effectLst/>
+                <a:ea typeface="Times New Roman" panose="02020603050405020304" pitchFamily="18" charset="0"/>
+              </a:rPr>
+              <a:t>Batch </a:t>
+            </a:r>
+            <a:r>
+              <a:rPr lang="it-IT" sz="1800" b="1" dirty="0" err="1">
+                <a:effectLst/>
+                <a:ea typeface="Times New Roman" panose="02020603050405020304" pitchFamily="18" charset="0"/>
+              </a:rPr>
+              <a:t>Normalization</a:t>
+            </a:r>
+            <a:r>
+              <a:rPr lang="it-IT" sz="1800" b="1" dirty="0">
+                <a:effectLst/>
+                <a:ea typeface="Times New Roman" panose="02020603050405020304" pitchFamily="18" charset="0"/>
+              </a:rPr>
+              <a:t>: </a:t>
+            </a:r>
+            <a:r>
+              <a:rPr lang="it-IT" sz="1800" dirty="0" err="1">
+                <a:effectLst/>
+                <a:ea typeface="Times New Roman" panose="02020603050405020304" pitchFamily="18" charset="0"/>
+              </a:rPr>
+              <a:t>layer</a:t>
+            </a:r>
+            <a:r>
+              <a:rPr lang="it-IT" sz="1800" dirty="0">
+                <a:effectLst/>
+                <a:ea typeface="Times New Roman" panose="02020603050405020304" pitchFamily="18" charset="0"/>
+              </a:rPr>
+              <a:t> che permette di normalizzare l’input di ciascun </a:t>
+            </a:r>
+            <a:r>
+              <a:rPr lang="it-IT" sz="1800" dirty="0" err="1">
+                <a:effectLst/>
+                <a:ea typeface="Times New Roman" panose="02020603050405020304" pitchFamily="18" charset="0"/>
+              </a:rPr>
+              <a:t>layer</a:t>
+            </a:r>
+            <a:r>
+              <a:rPr lang="it-IT" sz="1800" dirty="0">
+                <a:effectLst/>
+                <a:ea typeface="Times New Roman" panose="02020603050405020304" pitchFamily="18" charset="0"/>
+              </a:rPr>
+              <a:t>, in modo da ridurre il rischio di </a:t>
+            </a:r>
+            <a:r>
+              <a:rPr lang="it-IT" sz="1800" dirty="0" err="1">
+                <a:effectLst/>
+                <a:ea typeface="Times New Roman" panose="02020603050405020304" pitchFamily="18" charset="0"/>
+              </a:rPr>
+              <a:t>overfitting</a:t>
+            </a:r>
+            <a:endParaRPr lang="it-IT" sz="1800" dirty="0">
+              <a:effectLst/>
+              <a:ea typeface="Times New Roman" panose="02020603050405020304" pitchFamily="18" charset="0"/>
+            </a:endParaRPr>
+          </a:p>
+          <a:p>
+            <a:pPr>
+              <a:buFont typeface="+mj-lt"/>
+              <a:buAutoNum type="arabicPeriod"/>
+            </a:pPr>
+            <a:endParaRPr lang="it-IT" dirty="0"/>
+          </a:p>
+        </p:txBody>
+      </p:sp>
+    </p:spTree>
+    <p:extLst>
+      <p:ext uri="{BB962C8B-B14F-4D97-AF65-F5344CB8AC3E}">
+        <p14:creationId xmlns:p14="http://schemas.microsoft.com/office/powerpoint/2010/main" val="441261301"/>
+      </p:ext>
+    </p:extLst>
+  </p:cSld>
+  <p:clrMapOvr>
+    <a:masterClrMapping/>
+  </p:clrMapOvr>
+</p:sld>
+</file>
+
+<file path=ppt/slides/slide12.xml><?xml version="1.0" encoding="utf-8"?>
+<p:sld xmlns:a="http://schemas.openxmlformats.org/drawingml/2006/main" xmlns:r="http://schemas.openxmlformats.org/officeDocument/2006/relationships" xmlns:p="http://schemas.openxmlformats.org/presentationml/2006/main">
+  <p:cSld>
+    <p:spTree>
+      <p:nvGrpSpPr>
+        <p:cNvPr id="1" name=""/>
+        <p:cNvGrpSpPr/>
+        <p:nvPr/>
+      </p:nvGrpSpPr>
+      <p:grpSpPr>
+        <a:xfrm>
+          <a:off x="0" y="0"/>
+          <a:ext cx="0" cy="0"/>
+          <a:chOff x="0" y="0"/>
+          <a:chExt cx="0" cy="0"/>
+        </a:xfrm>
+      </p:grpSpPr>
+      <p:sp>
+        <p:nvSpPr>
+          <p:cNvPr id="2" name="Titolo 1">
+            <a:extLst>
+              <a:ext uri="{FF2B5EF4-FFF2-40B4-BE49-F238E27FC236}">
+                <a16:creationId xmlns:a16="http://schemas.microsoft.com/office/drawing/2014/main" id="{E1CFBCDC-E184-C230-FAEF-5A33546EB70D}"/>
+              </a:ext>
+            </a:extLst>
+          </p:cNvPr>
+          <p:cNvSpPr>
+            <a:spLocks noGrp="1"/>
+          </p:cNvSpPr>
+          <p:nvPr>
+            <p:ph type="title"/>
+          </p:nvPr>
+        </p:nvSpPr>
+        <p:spPr>
+          <a:xfrm>
+            <a:off x="2592925" y="624110"/>
+            <a:ext cx="8911687" cy="597787"/>
+          </a:xfrm>
+        </p:spPr>
+        <p:txBody>
+          <a:bodyPr>
+            <a:normAutofit fontScale="90000"/>
+          </a:bodyPr>
+          <a:lstStyle/>
+          <a:p>
+            <a:r>
+              <a:rPr lang="it-IT" dirty="0"/>
+              <a:t>5. Dataset</a:t>
+            </a:r>
+          </a:p>
+        </p:txBody>
+      </p:sp>
+      <p:sp>
+        <p:nvSpPr>
+          <p:cNvPr id="3" name="Segnaposto contenuto 2">
+            <a:extLst>
+              <a:ext uri="{FF2B5EF4-FFF2-40B4-BE49-F238E27FC236}">
+                <a16:creationId xmlns:a16="http://schemas.microsoft.com/office/drawing/2014/main" id="{56B05CCB-ACF3-691A-0384-8F577FF2E51E}"/>
+              </a:ext>
+            </a:extLst>
+          </p:cNvPr>
+          <p:cNvSpPr>
+            <a:spLocks noGrp="1"/>
+          </p:cNvSpPr>
+          <p:nvPr>
+            <p:ph idx="1"/>
+          </p:nvPr>
+        </p:nvSpPr>
+        <p:spPr>
+          <a:xfrm>
+            <a:off x="1594142" y="1347106"/>
+            <a:ext cx="10170845" cy="5324282"/>
+          </a:xfrm>
+        </p:spPr>
+        <p:txBody>
+          <a:bodyPr>
+            <a:normAutofit fontScale="92500" lnSpcReduction="10000"/>
+          </a:bodyPr>
+          <a:lstStyle/>
+          <a:p>
+            <a:r>
+              <a:rPr lang="it-IT" sz="2000" dirty="0"/>
+              <a:t>Il dataset di riferimento è composto da 39209 immagini di Train, suddivise nelle 43 categorie, e da 12631 immagini di Test.</a:t>
+            </a:r>
+          </a:p>
+          <a:p>
+            <a:r>
+              <a:rPr lang="it-IT" sz="2000" dirty="0"/>
+              <a:t>All’interno della cartella Train ci sono rispettivamente una sottocartella per ogni categoria di immagine.</a:t>
+            </a:r>
+          </a:p>
+          <a:p>
+            <a:r>
+              <a:rPr lang="it-IT" sz="2000" dirty="0"/>
+              <a:t>Inoltre, per ciascuna cartella è presente un file .csv (Train.csv e Test.csv) con lo stesso nome, che contiene informazioni riguardo ciascuna immagine presente nella rispettiva cartella.</a:t>
+            </a:r>
+          </a:p>
+          <a:p>
+            <a:r>
+              <a:rPr lang="it-IT" sz="2000" dirty="0"/>
+              <a:t>I campi di maggior rilievo sono :</a:t>
+            </a:r>
+          </a:p>
+          <a:p>
+            <a:pPr marL="457200" indent="-457200">
+              <a:buFont typeface="+mj-lt"/>
+              <a:buAutoNum type="arabicPeriod"/>
+            </a:pPr>
+            <a:r>
+              <a:rPr lang="it-IT" sz="2000" dirty="0"/>
+              <a:t>•	</a:t>
+            </a:r>
+            <a:r>
+              <a:rPr lang="it-IT" sz="2000" dirty="0" err="1"/>
+              <a:t>Width</a:t>
+            </a:r>
+            <a:r>
+              <a:rPr lang="it-IT" sz="2000" dirty="0"/>
+              <a:t>: larghezza dell’immagine</a:t>
+            </a:r>
+          </a:p>
+          <a:p>
+            <a:pPr marL="457200" indent="-457200">
+              <a:buFont typeface="+mj-lt"/>
+              <a:buAutoNum type="arabicPeriod"/>
+            </a:pPr>
+            <a:r>
+              <a:rPr lang="it-IT" sz="2000" dirty="0"/>
+              <a:t>•	</a:t>
+            </a:r>
+            <a:r>
+              <a:rPr lang="it-IT" sz="2000" dirty="0" err="1"/>
+              <a:t>Height</a:t>
+            </a:r>
+            <a:r>
+              <a:rPr lang="it-IT" sz="2000" dirty="0"/>
+              <a:t>: altezza dell’immagine</a:t>
+            </a:r>
+          </a:p>
+          <a:p>
+            <a:pPr marL="457200" indent="-457200">
+              <a:buFont typeface="+mj-lt"/>
+              <a:buAutoNum type="arabicPeriod"/>
+            </a:pPr>
+            <a:r>
+              <a:rPr lang="it-IT" sz="2000" dirty="0"/>
+              <a:t>•	Roi.X1,Roi.Y1,Roi.X2,Roi.Y2: sono le coordinate che ci permettono di de-limitare la parte di immagine corrispondente al segnale vero e proprio.</a:t>
+            </a:r>
+          </a:p>
+          <a:p>
+            <a:pPr marL="457200" indent="-457200">
+              <a:buFont typeface="+mj-lt"/>
+              <a:buAutoNum type="arabicPeriod"/>
+            </a:pPr>
+            <a:r>
+              <a:rPr lang="it-IT" sz="2000" dirty="0"/>
+              <a:t>•	</a:t>
+            </a:r>
+            <a:r>
+              <a:rPr lang="it-IT" sz="2000" dirty="0" err="1"/>
+              <a:t>ClassID</a:t>
+            </a:r>
+            <a:r>
+              <a:rPr lang="it-IT" sz="2000" dirty="0"/>
+              <a:t>: indica a quale classe di segnali stradali appartiene l’immagine (es 0= limite di velocità 20km, 1= limite di velocità 30km, …)</a:t>
+            </a:r>
+          </a:p>
+          <a:p>
+            <a:pPr marL="457200" indent="-457200">
+              <a:buFont typeface="+mj-lt"/>
+              <a:buAutoNum type="arabicPeriod"/>
+            </a:pPr>
+            <a:r>
+              <a:rPr lang="it-IT" sz="2000" dirty="0"/>
+              <a:t>•	</a:t>
+            </a:r>
+            <a:r>
+              <a:rPr lang="it-IT" sz="2000" dirty="0" err="1"/>
+              <a:t>Path</a:t>
+            </a:r>
+            <a:r>
+              <a:rPr lang="it-IT" sz="2000" dirty="0"/>
+              <a:t>: indica il </a:t>
+            </a:r>
+            <a:r>
+              <a:rPr lang="it-IT" sz="2000" dirty="0" err="1"/>
+              <a:t>path</a:t>
+            </a:r>
+            <a:r>
+              <a:rPr lang="it-IT" sz="2000" dirty="0"/>
+              <a:t> in cui trovare l’immagine</a:t>
+            </a:r>
+          </a:p>
+          <a:p>
+            <a:endParaRPr lang="it-IT" sz="2000" dirty="0"/>
+          </a:p>
+          <a:p>
+            <a:pPr marL="457200" indent="-457200">
+              <a:buFont typeface="+mj-lt"/>
+              <a:buAutoNum type="arabicPeriod"/>
+            </a:pPr>
+            <a:endParaRPr lang="it-IT" sz="2000" dirty="0"/>
+          </a:p>
+        </p:txBody>
+      </p:sp>
+    </p:spTree>
+    <p:extLst>
+      <p:ext uri="{BB962C8B-B14F-4D97-AF65-F5344CB8AC3E}">
+        <p14:creationId xmlns:p14="http://schemas.microsoft.com/office/powerpoint/2010/main" val="2198489557"/>
+      </p:ext>
+    </p:extLst>
+  </p:cSld>
+  <p:clrMapOvr>
+    <a:masterClrMapping/>
+  </p:clrMapOvr>
+</p:sld>
+</file>
+
+<file path=ppt/slides/slide13.xml><?xml version="1.0" encoding="utf-8"?>
+<p:sld xmlns:a="http://schemas.openxmlformats.org/drawingml/2006/main" xmlns:r="http://schemas.openxmlformats.org/officeDocument/2006/relationships" xmlns:p="http://schemas.openxmlformats.org/presentationml/2006/main">
+  <p:cSld>
+    <p:spTree>
+      <p:nvGrpSpPr>
+        <p:cNvPr id="1" name=""/>
+        <p:cNvGrpSpPr/>
+        <p:nvPr/>
+      </p:nvGrpSpPr>
+      <p:grpSpPr>
+        <a:xfrm>
+          <a:off x="0" y="0"/>
+          <a:ext cx="0" cy="0"/>
+          <a:chOff x="0" y="0"/>
+          <a:chExt cx="0" cy="0"/>
+        </a:xfrm>
+      </p:grpSpPr>
+      <p:sp>
+        <p:nvSpPr>
+          <p:cNvPr id="2" name="Titolo 1">
+            <a:extLst>
+              <a:ext uri="{FF2B5EF4-FFF2-40B4-BE49-F238E27FC236}">
                 <a16:creationId xmlns:a16="http://schemas.microsoft.com/office/drawing/2014/main" id="{5B84AD69-8892-4CE6-2F58-AC0B2AB35A78}"/>
               </a:ext>
             </a:extLst>
@@ -8345,7 +8858,12 @@
             <p:ph type="title"/>
           </p:nvPr>
         </p:nvSpPr>
-        <p:spPr/>
+        <p:spPr>
+          <a:xfrm>
+            <a:off x="1743839" y="465490"/>
+            <a:ext cx="8844773" cy="640445"/>
+          </a:xfrm>
+        </p:spPr>
         <p:txBody>
           <a:bodyPr/>
           <a:lstStyle/>
@@ -8359,7 +8877,7 @@
       </p:sp>
       <p:pic>
         <p:nvPicPr>
-          <p:cNvPr id="5" name="Segnaposto contenuto 4" descr="Immagine che contiene testo&#10;&#10;Descrizione generata automaticamente">
+          <p:cNvPr id="7" name="Segnaposto contenuto 4">
             <a:extLst>
               <a:ext uri="{FF2B5EF4-FFF2-40B4-BE49-F238E27FC236}">
                 <a16:creationId xmlns:a16="http://schemas.microsoft.com/office/drawing/2014/main" id="{0C4BA519-8B31-0386-892B-435DFD434D3A}"/>
@@ -8367,11 +8885,9 @@
             </a:extLst>
           </p:cNvPr>
           <p:cNvPicPr>
-            <a:picLocks noGrp="1" noChangeAspect="1"/>
+            <a:picLocks noChangeAspect="1"/>
           </p:cNvPicPr>
-          <p:nvPr>
-            <p:ph idx="1"/>
-          </p:nvPr>
+          <p:nvPr/>
         </p:nvPicPr>
         <p:blipFill>
           <a:blip r:embed="rId2">
@@ -8387,15 +8903,122 @@
         </p:blipFill>
         <p:spPr>
           <a:xfrm>
-            <a:off x="4207098" y="1264555"/>
-            <a:ext cx="3425015" cy="4803775"/>
+            <a:off x="754302" y="1264555"/>
+            <a:ext cx="3677246" cy="5271331"/>
           </a:xfrm>
+          <a:prstGeom prst="rect">
+            <a:avLst/>
+          </a:prstGeom>
+        </p:spPr>
+      </p:pic>
+      <p:pic>
+        <p:nvPicPr>
+          <p:cNvPr id="8" name="Immagine 7">
+            <a:extLst>
+              <a:ext uri="{FF2B5EF4-FFF2-40B4-BE49-F238E27FC236}">
+                <a16:creationId xmlns:a16="http://schemas.microsoft.com/office/drawing/2014/main" id="{403A8235-D2EF-C935-815D-AECE3BB04BBD}"/>
+              </a:ext>
+            </a:extLst>
+          </p:cNvPr>
+          <p:cNvPicPr>
+            <a:picLocks noChangeAspect="1"/>
+          </p:cNvPicPr>
+          <p:nvPr/>
+        </p:nvPicPr>
+        <p:blipFill>
+          <a:blip r:embed="rId3" cstate="print">
+            <a:extLst>
+              <a:ext uri="{28A0092B-C50C-407E-A947-70E740481C1C}">
+                <a14:useLocalDpi xmlns:a14="http://schemas.microsoft.com/office/drawing/2010/main" val="0"/>
+              </a:ext>
+            </a:extLst>
+          </a:blip>
+          <a:srcRect/>
+          <a:stretch>
+            <a:fillRect/>
+          </a:stretch>
+        </p:blipFill>
+        <p:spPr bwMode="auto">
+          <a:xfrm>
+            <a:off x="4692032" y="1264555"/>
+            <a:ext cx="7499968" cy="3792637"/>
+          </a:xfrm>
+          <a:prstGeom prst="rect">
+            <a:avLst/>
+          </a:prstGeom>
+          <a:noFill/>
+          <a:ln>
+            <a:noFill/>
+          </a:ln>
         </p:spPr>
       </p:pic>
     </p:spTree>
     <p:extLst>
       <p:ext uri="{BB962C8B-B14F-4D97-AF65-F5344CB8AC3E}">
         <p14:creationId xmlns:p14="http://schemas.microsoft.com/office/powerpoint/2010/main" val="1858851659"/>
+      </p:ext>
+    </p:extLst>
+  </p:cSld>
+  <p:clrMapOvr>
+    <a:masterClrMapping/>
+  </p:clrMapOvr>
+</p:sld>
+</file>
+
+<file path=ppt/slides/slide14.xml><?xml version="1.0" encoding="utf-8"?>
+<p:sld xmlns:a="http://schemas.openxmlformats.org/drawingml/2006/main" xmlns:r="http://schemas.openxmlformats.org/officeDocument/2006/relationships" xmlns:p="http://schemas.openxmlformats.org/presentationml/2006/main">
+  <p:cSld>
+    <p:spTree>
+      <p:nvGrpSpPr>
+        <p:cNvPr id="1" name=""/>
+        <p:cNvGrpSpPr/>
+        <p:nvPr/>
+      </p:nvGrpSpPr>
+      <p:grpSpPr>
+        <a:xfrm>
+          <a:off x="0" y="0"/>
+          <a:ext cx="0" cy="0"/>
+          <a:chOff x="0" y="0"/>
+          <a:chExt cx="0" cy="0"/>
+        </a:xfrm>
+      </p:grpSpPr>
+      <p:sp>
+        <p:nvSpPr>
+          <p:cNvPr id="4" name="Titolo 1">
+            <a:extLst>
+              <a:ext uri="{FF2B5EF4-FFF2-40B4-BE49-F238E27FC236}">
+                <a16:creationId xmlns:a16="http://schemas.microsoft.com/office/drawing/2014/main" id="{ED23D0F9-12AA-1853-15B2-B74B2FD6F8B5}"/>
+              </a:ext>
+            </a:extLst>
+          </p:cNvPr>
+          <p:cNvSpPr>
+            <a:spLocks noGrp="1"/>
+          </p:cNvSpPr>
+          <p:nvPr>
+            <p:ph type="title"/>
+          </p:nvPr>
+        </p:nvSpPr>
+        <p:spPr>
+          <a:xfrm>
+            <a:off x="1929136" y="2349626"/>
+            <a:ext cx="8912225" cy="1281112"/>
+          </a:xfrm>
+        </p:spPr>
+        <p:txBody>
+          <a:bodyPr/>
+          <a:lstStyle/>
+          <a:p>
+            <a:r>
+              <a:rPr lang="it-IT" dirty="0"/>
+              <a:t>Ora vi mostreremo il codice in esecuzione…</a:t>
+            </a:r>
+          </a:p>
+        </p:txBody>
+      </p:sp>
+    </p:spTree>
+    <p:extLst>
+      <p:ext uri="{BB962C8B-B14F-4D97-AF65-F5344CB8AC3E}">
+        <p14:creationId xmlns:p14="http://schemas.microsoft.com/office/powerpoint/2010/main" val="3407571949"/>
       </p:ext>
     </p:extLst>
   </p:cSld>
@@ -8813,13 +9436,8 @@
           <a:p>
             <a:r>
               <a:rPr lang="it-IT" sz="3000" dirty="0"/>
-              <a:t>Google </a:t>
-            </a:r>
-            <a:r>
-              <a:rPr lang="it-IT" sz="3000" dirty="0" err="1"/>
-              <a:t>Colab</a:t>
-            </a:r>
-            <a:endParaRPr lang="it-IT" sz="3000" dirty="0"/>
+              <a:t>Visual Studio Code</a:t>
+            </a:r>
           </a:p>
         </p:txBody>
       </p:sp>
@@ -8897,10 +9515,10 @@
       </p:pic>
       <p:pic>
         <p:nvPicPr>
-          <p:cNvPr id="11" name="Immagine 10">
+          <p:cNvPr id="6" name="Immagine 5">
             <a:extLst>
               <a:ext uri="{FF2B5EF4-FFF2-40B4-BE49-F238E27FC236}">
-                <a16:creationId xmlns:a16="http://schemas.microsoft.com/office/drawing/2014/main" id="{C899909D-DF34-9DD9-99FC-EB188BCF07A6}"/>
+                <a16:creationId xmlns:a16="http://schemas.microsoft.com/office/drawing/2014/main" id="{91CCE8A3-5BC9-CE52-B2E8-8A3A5CE32861}"/>
               </a:ext>
             </a:extLst>
           </p:cNvPr>
@@ -8923,8 +9541,8 @@
         </p:blipFill>
         <p:spPr>
           <a:xfrm>
-            <a:off x="9300920" y="4255317"/>
-            <a:ext cx="1068630" cy="1068630"/>
+            <a:off x="9299144" y="4361535"/>
+            <a:ext cx="1045006" cy="1045006"/>
           </a:xfrm>
           <a:prstGeom prst="rect">
             <a:avLst/>
@@ -9027,9 +9645,30 @@
             </a:r>
           </a:p>
           <a:p>
+            <a:pPr marL="0" indent="0">
+              <a:buNone/>
+            </a:pPr>
+            <a:r>
+              <a:rPr lang="it-IT" dirty="0"/>
+              <a:t>	</a:t>
+            </a:r>
+            <a:r>
+              <a:rPr lang="it-IT" dirty="0">
+                <a:solidFill>
+                  <a:schemeClr val="accent1"/>
+                </a:solidFill>
+              </a:rPr>
+              <a:t>1.1. </a:t>
+            </a:r>
+            <a:r>
+              <a:rPr lang="it-IT" dirty="0"/>
+              <a:t>Le categorie</a:t>
+            </a:r>
+          </a:p>
+          <a:p>
             <a:pPr>
               <a:buFont typeface="+mj-lt"/>
-              <a:buAutoNum type="arabicPeriod"/>
+              <a:buAutoNum type="arabicPeriod" startAt="2"/>
             </a:pPr>
             <a:r>
               <a:rPr lang="it-IT" dirty="0"/>
@@ -9039,7 +9678,7 @@
           <a:p>
             <a:pPr>
               <a:buFont typeface="+mj-lt"/>
-              <a:buAutoNum type="arabicPeriod"/>
+              <a:buAutoNum type="arabicPeriod" startAt="2"/>
             </a:pPr>
             <a:r>
               <a:rPr lang="it-IT" dirty="0"/>
@@ -9049,7 +9688,7 @@
           <a:p>
             <a:pPr>
               <a:buFont typeface="+mj-lt"/>
-              <a:buAutoNum type="arabicPeriod"/>
+              <a:buAutoNum type="arabicPeriod" startAt="2"/>
             </a:pPr>
             <a:r>
               <a:rPr lang="it-IT" dirty="0"/>
@@ -9059,7 +9698,7 @@
           <a:p>
             <a:pPr>
               <a:buFont typeface="+mj-lt"/>
-              <a:buAutoNum type="arabicPeriod"/>
+              <a:buAutoNum type="arabicPeriod" startAt="2"/>
             </a:pPr>
             <a:r>
               <a:rPr lang="it-IT" dirty="0"/>
@@ -9201,15 +9840,7 @@
             </a:pPr>
             <a:r>
               <a:rPr lang="it-IT" dirty="0"/>
-              <a:t>Con il nostro progetto intendiamo implementare un classificatore in grado di riconoscere diverse categorie di segnali (</a:t>
-            </a:r>
-            <a:r>
-              <a:rPr lang="it-IT" dirty="0" err="1"/>
-              <a:t>stop,semafori,limiti</a:t>
-            </a:r>
-            <a:r>
-              <a:rPr lang="it-IT" dirty="0"/>
-              <a:t> di velocità, attraversamenti pedonali)</a:t>
+              <a:t>Con il nostro progetto intendiamo implementare un classificatore in grado di riconoscere ben 43 categorie di segnali stradali presenti.</a:t>
             </a:r>
           </a:p>
           <a:p>
@@ -9258,10 +9889,10 @@
       </p:grpSpPr>
       <p:sp>
         <p:nvSpPr>
-          <p:cNvPr id="2" name="Titolo 1">
+          <p:cNvPr id="3" name="Segnaposto contenuto 2">
             <a:extLst>
               <a:ext uri="{FF2B5EF4-FFF2-40B4-BE49-F238E27FC236}">
-                <a16:creationId xmlns:a16="http://schemas.microsoft.com/office/drawing/2014/main" id="{06B063FE-B346-000F-F2D9-80D996A1EB4B}"/>
+                <a16:creationId xmlns:a16="http://schemas.microsoft.com/office/drawing/2014/main" id="{1E24AC0D-B051-5EB1-3B8C-74C266433560}"/>
               </a:ext>
             </a:extLst>
           </p:cNvPr>
@@ -9269,27 +9900,121 @@
             <a:spLocks noGrp="1"/>
           </p:cNvSpPr>
           <p:nvPr>
-            <p:ph type="title"/>
-          </p:nvPr>
-        </p:nvSpPr>
-        <p:spPr/>
-        <p:txBody>
-          <a:bodyPr/>
+            <p:ph idx="1"/>
+          </p:nvPr>
+        </p:nvSpPr>
+        <p:spPr>
+          <a:xfrm>
+            <a:off x="692733" y="1247778"/>
+            <a:ext cx="5220510" cy="5593556"/>
+          </a:xfrm>
+        </p:spPr>
+        <p:txBody>
+          <a:bodyPr>
+            <a:normAutofit fontScale="92500" lnSpcReduction="20000"/>
+          </a:bodyPr>
           <a:lstStyle/>
           <a:p>
             <a:r>
               <a:rPr lang="it-IT" dirty="0"/>
-              <a:t>2. Specifica PEAS</a:t>
-            </a:r>
-          </a:p>
-        </p:txBody>
-      </p:sp>
-      <p:sp>
-        <p:nvSpPr>
-          <p:cNvPr id="3" name="Segnaposto contenuto 2">
+              <a:t>Limite di velocità 20km</a:t>
+            </a:r>
+          </a:p>
+          <a:p>
+            <a:r>
+              <a:rPr lang="it-IT" dirty="0"/>
+              <a:t>Limite di velocità 30km</a:t>
+            </a:r>
+          </a:p>
+          <a:p>
+            <a:r>
+              <a:rPr lang="it-IT" dirty="0"/>
+              <a:t>Limite di velocità 50km</a:t>
+            </a:r>
+          </a:p>
+          <a:p>
+            <a:r>
+              <a:rPr lang="it-IT" dirty="0"/>
+              <a:t>Limite di velocità 60km</a:t>
+            </a:r>
+          </a:p>
+          <a:p>
+            <a:r>
+              <a:rPr lang="it-IT" dirty="0"/>
+              <a:t>Limite di velocità 70km</a:t>
+            </a:r>
+          </a:p>
+          <a:p>
+            <a:r>
+              <a:rPr lang="it-IT" dirty="0"/>
+              <a:t>Limite di velocità 80km</a:t>
+            </a:r>
+          </a:p>
+          <a:p>
+            <a:r>
+              <a:rPr lang="it-IT" dirty="0"/>
+              <a:t>Fine limite di velocità 80km</a:t>
+            </a:r>
+          </a:p>
+          <a:p>
+            <a:r>
+              <a:rPr lang="it-IT" dirty="0"/>
+              <a:t>Limite di velocità 100km</a:t>
+            </a:r>
+          </a:p>
+          <a:p>
+            <a:r>
+              <a:rPr lang="it-IT" dirty="0"/>
+              <a:t>Limite di velocità 120km</a:t>
+            </a:r>
+          </a:p>
+          <a:p>
+            <a:r>
+              <a:rPr lang="it-IT" dirty="0"/>
+              <a:t>Divieto di sorpasso</a:t>
+            </a:r>
+          </a:p>
+          <a:p>
+            <a:r>
+              <a:rPr lang="it-IT" dirty="0"/>
+              <a:t>Divieto di sorpasso per i veicoli oltre 3.5 tonnellate</a:t>
+            </a:r>
+          </a:p>
+          <a:p>
+            <a:r>
+              <a:rPr lang="it-IT" dirty="0"/>
+              <a:t>Intersezione con diritto di precedenza</a:t>
+            </a:r>
+          </a:p>
+          <a:p>
+            <a:r>
+              <a:rPr lang="it-IT" dirty="0"/>
+              <a:t>Diritto di precedenza</a:t>
+            </a:r>
+          </a:p>
+          <a:p>
+            <a:r>
+              <a:rPr lang="it-IT" dirty="0"/>
+              <a:t>Dare precedenza</a:t>
+            </a:r>
+          </a:p>
+          <a:p>
+            <a:r>
+              <a:rPr lang="it-IT" dirty="0"/>
+              <a:t>Stop</a:t>
+            </a:r>
+          </a:p>
+          <a:p>
+            <a:endParaRPr lang="it-IT" dirty="0"/>
+          </a:p>
+        </p:txBody>
+      </p:sp>
+      <p:sp>
+        <p:nvSpPr>
+          <p:cNvPr id="4" name="Titolo 1">
             <a:extLst>
               <a:ext uri="{FF2B5EF4-FFF2-40B4-BE49-F238E27FC236}">
-                <a16:creationId xmlns:a16="http://schemas.microsoft.com/office/drawing/2014/main" id="{10754398-43C9-7801-EB14-8C83627174A7}"/>
+                <a16:creationId xmlns:a16="http://schemas.microsoft.com/office/drawing/2014/main" id="{9A89A92E-689F-1FD9-FC01-6FF5ECA95647}"/>
               </a:ext>
             </a:extLst>
           </p:cNvPr>
@@ -9297,107 +10022,619 @@
             <a:spLocks noGrp="1"/>
           </p:cNvSpPr>
           <p:nvPr>
-            <p:ph idx="1"/>
+            <p:ph type="title"/>
           </p:nvPr>
         </p:nvSpPr>
         <p:spPr>
           <a:xfrm>
-            <a:off x="1614196" y="1520890"/>
-            <a:ext cx="10105052" cy="4786604"/>
+            <a:off x="2221528" y="128926"/>
+            <a:ext cx="8912225" cy="777114"/>
           </a:xfrm>
         </p:spPr>
         <p:txBody>
-          <a:bodyPr>
+          <a:bodyPr/>
+          <a:lstStyle/>
+          <a:p>
+            <a:r>
+              <a:rPr lang="it-IT" dirty="0"/>
+              <a:t>1.1 Le categorie</a:t>
+            </a:r>
+          </a:p>
+        </p:txBody>
+      </p:sp>
+      <p:sp>
+        <p:nvSpPr>
+          <p:cNvPr id="5" name="Segnaposto contenuto 2">
+            <a:extLst>
+              <a:ext uri="{FF2B5EF4-FFF2-40B4-BE49-F238E27FC236}">
+                <a16:creationId xmlns:a16="http://schemas.microsoft.com/office/drawing/2014/main" id="{122D86C9-8E3D-60B2-4D3B-C90A26B5FC57}"/>
+              </a:ext>
+            </a:extLst>
+          </p:cNvPr>
+          <p:cNvSpPr txBox="1">
+            <a:spLocks/>
+          </p:cNvSpPr>
+          <p:nvPr/>
+        </p:nvSpPr>
+        <p:spPr>
+          <a:xfrm>
+            <a:off x="5913243" y="1259925"/>
+            <a:ext cx="5220510" cy="5593556"/>
+          </a:xfrm>
+          <a:prstGeom prst="rect">
+            <a:avLst/>
+          </a:prstGeom>
+        </p:spPr>
+        <p:txBody>
+          <a:bodyPr vert="horz" lIns="91440" tIns="45720" rIns="91440" bIns="45720" rtlCol="0">
             <a:normAutofit/>
           </a:bodyPr>
-          <a:lstStyle/>
+          <a:lstStyle>
+            <a:lvl1pPr marL="342900" indent="-342900" algn="l" defTabSz="457200" rtl="0" eaLnBrk="1" latinLnBrk="0" hangingPunct="1">
+              <a:spcBef>
+                <a:spcPts val="1000"/>
+              </a:spcBef>
+              <a:spcAft>
+                <a:spcPts val="0"/>
+              </a:spcAft>
+              <a:buClr>
+                <a:schemeClr val="accent1"/>
+              </a:buClr>
+              <a:buFont typeface="Wingdings 3" charset="2"/>
+              <a:buChar char=""/>
+              <a:defRPr sz="1800" kern="1200">
+                <a:solidFill>
+                  <a:schemeClr val="tx1">
+                    <a:lumMod val="75000"/>
+                    <a:lumOff val="25000"/>
+                  </a:schemeClr>
+                </a:solidFill>
+                <a:latin typeface="+mn-lt"/>
+                <a:ea typeface="+mn-ea"/>
+                <a:cs typeface="+mn-cs"/>
+              </a:defRPr>
+            </a:lvl1pPr>
+            <a:lvl2pPr marL="742950" indent="-285750" algn="l" defTabSz="457200" rtl="0" eaLnBrk="1" latinLnBrk="0" hangingPunct="1">
+              <a:spcBef>
+                <a:spcPts val="1000"/>
+              </a:spcBef>
+              <a:spcAft>
+                <a:spcPts val="0"/>
+              </a:spcAft>
+              <a:buClr>
+                <a:schemeClr val="accent1"/>
+              </a:buClr>
+              <a:buFont typeface="Wingdings 3" charset="2"/>
+              <a:buChar char=""/>
+              <a:defRPr sz="1600" kern="1200">
+                <a:solidFill>
+                  <a:schemeClr val="tx1">
+                    <a:lumMod val="75000"/>
+                    <a:lumOff val="25000"/>
+                  </a:schemeClr>
+                </a:solidFill>
+                <a:latin typeface="+mn-lt"/>
+                <a:ea typeface="+mn-ea"/>
+                <a:cs typeface="+mn-cs"/>
+              </a:defRPr>
+            </a:lvl2pPr>
+            <a:lvl3pPr marL="1143000" indent="-228600" algn="l" defTabSz="457200" rtl="0" eaLnBrk="1" latinLnBrk="0" hangingPunct="1">
+              <a:spcBef>
+                <a:spcPts val="1000"/>
+              </a:spcBef>
+              <a:spcAft>
+                <a:spcPts val="0"/>
+              </a:spcAft>
+              <a:buClr>
+                <a:schemeClr val="accent1"/>
+              </a:buClr>
+              <a:buFont typeface="Wingdings 3" charset="2"/>
+              <a:buChar char=""/>
+              <a:defRPr sz="1400" kern="1200">
+                <a:solidFill>
+                  <a:schemeClr val="tx1">
+                    <a:lumMod val="75000"/>
+                    <a:lumOff val="25000"/>
+                  </a:schemeClr>
+                </a:solidFill>
+                <a:latin typeface="+mn-lt"/>
+                <a:ea typeface="+mn-ea"/>
+                <a:cs typeface="+mn-cs"/>
+              </a:defRPr>
+            </a:lvl3pPr>
+            <a:lvl4pPr marL="1600200" indent="-228600" algn="l" defTabSz="457200" rtl="0" eaLnBrk="1" latinLnBrk="0" hangingPunct="1">
+              <a:spcBef>
+                <a:spcPts val="1000"/>
+              </a:spcBef>
+              <a:spcAft>
+                <a:spcPts val="0"/>
+              </a:spcAft>
+              <a:buClr>
+                <a:schemeClr val="accent1"/>
+              </a:buClr>
+              <a:buFont typeface="Wingdings 3" charset="2"/>
+              <a:buChar char=""/>
+              <a:defRPr sz="1200" kern="1200">
+                <a:solidFill>
+                  <a:schemeClr val="tx1">
+                    <a:lumMod val="75000"/>
+                    <a:lumOff val="25000"/>
+                  </a:schemeClr>
+                </a:solidFill>
+                <a:latin typeface="+mn-lt"/>
+                <a:ea typeface="+mn-ea"/>
+                <a:cs typeface="+mn-cs"/>
+              </a:defRPr>
+            </a:lvl4pPr>
+            <a:lvl5pPr marL="2057400" indent="-228600" algn="l" defTabSz="457200" rtl="0" eaLnBrk="1" latinLnBrk="0" hangingPunct="1">
+              <a:spcBef>
+                <a:spcPts val="1000"/>
+              </a:spcBef>
+              <a:spcAft>
+                <a:spcPts val="0"/>
+              </a:spcAft>
+              <a:buClr>
+                <a:schemeClr val="accent1"/>
+              </a:buClr>
+              <a:buFont typeface="Wingdings 3" charset="2"/>
+              <a:buChar char=""/>
+              <a:defRPr sz="1200" kern="1200">
+                <a:solidFill>
+                  <a:schemeClr val="tx1">
+                    <a:lumMod val="75000"/>
+                    <a:lumOff val="25000"/>
+                  </a:schemeClr>
+                </a:solidFill>
+                <a:latin typeface="+mn-lt"/>
+                <a:ea typeface="+mn-ea"/>
+                <a:cs typeface="+mn-cs"/>
+              </a:defRPr>
+            </a:lvl5pPr>
+            <a:lvl6pPr marL="2514600" indent="-228600" algn="l" defTabSz="457200" rtl="0" eaLnBrk="1" latinLnBrk="0" hangingPunct="1">
+              <a:spcBef>
+                <a:spcPts val="1000"/>
+              </a:spcBef>
+              <a:spcAft>
+                <a:spcPts val="0"/>
+              </a:spcAft>
+              <a:buClr>
+                <a:schemeClr val="accent1"/>
+              </a:buClr>
+              <a:buFont typeface="Wingdings 3" charset="2"/>
+              <a:buChar char=""/>
+              <a:defRPr sz="1200" kern="1200">
+                <a:solidFill>
+                  <a:schemeClr val="tx1">
+                    <a:lumMod val="75000"/>
+                    <a:lumOff val="25000"/>
+                  </a:schemeClr>
+                </a:solidFill>
+                <a:latin typeface="+mn-lt"/>
+                <a:ea typeface="+mn-ea"/>
+                <a:cs typeface="+mn-cs"/>
+              </a:defRPr>
+            </a:lvl6pPr>
+            <a:lvl7pPr marL="2971800" indent="-228600" algn="l" defTabSz="457200" rtl="0" eaLnBrk="1" latinLnBrk="0" hangingPunct="1">
+              <a:spcBef>
+                <a:spcPts val="1000"/>
+              </a:spcBef>
+              <a:spcAft>
+                <a:spcPts val="0"/>
+              </a:spcAft>
+              <a:buClr>
+                <a:schemeClr val="accent1"/>
+              </a:buClr>
+              <a:buFont typeface="Wingdings 3" charset="2"/>
+              <a:buChar char=""/>
+              <a:defRPr sz="1200" kern="1200">
+                <a:solidFill>
+                  <a:schemeClr val="tx1">
+                    <a:lumMod val="75000"/>
+                    <a:lumOff val="25000"/>
+                  </a:schemeClr>
+                </a:solidFill>
+                <a:latin typeface="+mn-lt"/>
+                <a:ea typeface="+mn-ea"/>
+                <a:cs typeface="+mn-cs"/>
+              </a:defRPr>
+            </a:lvl7pPr>
+            <a:lvl8pPr marL="3429000" indent="-228600" algn="l" defTabSz="457200" rtl="0" eaLnBrk="1" latinLnBrk="0" hangingPunct="1">
+              <a:spcBef>
+                <a:spcPts val="1000"/>
+              </a:spcBef>
+              <a:spcAft>
+                <a:spcPts val="0"/>
+              </a:spcAft>
+              <a:buClr>
+                <a:schemeClr val="accent1"/>
+              </a:buClr>
+              <a:buFont typeface="Wingdings 3" charset="2"/>
+              <a:buChar char=""/>
+              <a:defRPr sz="1200" kern="1200">
+                <a:solidFill>
+                  <a:schemeClr val="tx1">
+                    <a:lumMod val="75000"/>
+                    <a:lumOff val="25000"/>
+                  </a:schemeClr>
+                </a:solidFill>
+                <a:latin typeface="+mn-lt"/>
+                <a:ea typeface="+mn-ea"/>
+                <a:cs typeface="+mn-cs"/>
+              </a:defRPr>
+            </a:lvl8pPr>
+            <a:lvl9pPr marL="3886200" indent="-228600" algn="l" defTabSz="457200" rtl="0" eaLnBrk="1" latinLnBrk="0" hangingPunct="1">
+              <a:spcBef>
+                <a:spcPts val="1000"/>
+              </a:spcBef>
+              <a:spcAft>
+                <a:spcPts val="0"/>
+              </a:spcAft>
+              <a:buClr>
+                <a:schemeClr val="accent1"/>
+              </a:buClr>
+              <a:buFont typeface="Wingdings 3" charset="2"/>
+              <a:buChar char=""/>
+              <a:defRPr sz="1200" kern="1200">
+                <a:solidFill>
+                  <a:schemeClr val="tx1">
+                    <a:lumMod val="75000"/>
+                    <a:lumOff val="25000"/>
+                  </a:schemeClr>
+                </a:solidFill>
+                <a:latin typeface="+mn-lt"/>
+                <a:ea typeface="+mn-ea"/>
+                <a:cs typeface="+mn-cs"/>
+              </a:defRPr>
+            </a:lvl9pPr>
+          </a:lstStyle>
+          <a:p>
+            <a:pPr marL="342900" lvl="0" indent="-342900">
+              <a:lnSpc>
+                <a:spcPct val="150000"/>
+              </a:lnSpc>
+              <a:buFont typeface="Symbol" panose="05050102010706020507" pitchFamily="18" charset="2"/>
+              <a:buChar char=""/>
+            </a:pPr>
+            <a:endParaRPr lang="it-IT" dirty="0"/>
+          </a:p>
+        </p:txBody>
+      </p:sp>
+      <p:sp>
+        <p:nvSpPr>
+          <p:cNvPr id="7" name="Segnaposto contenuto 2">
+            <a:extLst>
+              <a:ext uri="{FF2B5EF4-FFF2-40B4-BE49-F238E27FC236}">
+                <a16:creationId xmlns:a16="http://schemas.microsoft.com/office/drawing/2014/main" id="{59D42E49-3AC8-DBDF-626F-26542B0B570E}"/>
+              </a:ext>
+            </a:extLst>
+          </p:cNvPr>
+          <p:cNvSpPr txBox="1">
+            <a:spLocks/>
+          </p:cNvSpPr>
+          <p:nvPr/>
+        </p:nvSpPr>
+        <p:spPr>
+          <a:xfrm>
+            <a:off x="5913243" y="1235631"/>
+            <a:ext cx="5220510" cy="5593556"/>
+          </a:xfrm>
+          <a:prstGeom prst="rect">
+            <a:avLst/>
+          </a:prstGeom>
+        </p:spPr>
+        <p:txBody>
+          <a:bodyPr vert="horz" lIns="91440" tIns="45720" rIns="91440" bIns="45720" rtlCol="0">
+            <a:normAutofit fontScale="92500" lnSpcReduction="20000"/>
+          </a:bodyPr>
+          <a:lstStyle>
+            <a:lvl1pPr marL="342900" indent="-342900" algn="l" defTabSz="457200" rtl="0" eaLnBrk="1" latinLnBrk="0" hangingPunct="1">
+              <a:spcBef>
+                <a:spcPts val="1000"/>
+              </a:spcBef>
+              <a:spcAft>
+                <a:spcPts val="0"/>
+              </a:spcAft>
+              <a:buClr>
+                <a:schemeClr val="accent1"/>
+              </a:buClr>
+              <a:buFont typeface="Wingdings 3" charset="2"/>
+              <a:buChar char=""/>
+              <a:defRPr sz="1800" kern="1200">
+                <a:solidFill>
+                  <a:schemeClr val="tx1">
+                    <a:lumMod val="75000"/>
+                    <a:lumOff val="25000"/>
+                  </a:schemeClr>
+                </a:solidFill>
+                <a:latin typeface="+mn-lt"/>
+                <a:ea typeface="+mn-ea"/>
+                <a:cs typeface="+mn-cs"/>
+              </a:defRPr>
+            </a:lvl1pPr>
+            <a:lvl2pPr marL="742950" indent="-285750" algn="l" defTabSz="457200" rtl="0" eaLnBrk="1" latinLnBrk="0" hangingPunct="1">
+              <a:spcBef>
+                <a:spcPts val="1000"/>
+              </a:spcBef>
+              <a:spcAft>
+                <a:spcPts val="0"/>
+              </a:spcAft>
+              <a:buClr>
+                <a:schemeClr val="accent1"/>
+              </a:buClr>
+              <a:buFont typeface="Wingdings 3" charset="2"/>
+              <a:buChar char=""/>
+              <a:defRPr sz="1600" kern="1200">
+                <a:solidFill>
+                  <a:schemeClr val="tx1">
+                    <a:lumMod val="75000"/>
+                    <a:lumOff val="25000"/>
+                  </a:schemeClr>
+                </a:solidFill>
+                <a:latin typeface="+mn-lt"/>
+                <a:ea typeface="+mn-ea"/>
+                <a:cs typeface="+mn-cs"/>
+              </a:defRPr>
+            </a:lvl2pPr>
+            <a:lvl3pPr marL="1143000" indent="-228600" algn="l" defTabSz="457200" rtl="0" eaLnBrk="1" latinLnBrk="0" hangingPunct="1">
+              <a:spcBef>
+                <a:spcPts val="1000"/>
+              </a:spcBef>
+              <a:spcAft>
+                <a:spcPts val="0"/>
+              </a:spcAft>
+              <a:buClr>
+                <a:schemeClr val="accent1"/>
+              </a:buClr>
+              <a:buFont typeface="Wingdings 3" charset="2"/>
+              <a:buChar char=""/>
+              <a:defRPr sz="1400" kern="1200">
+                <a:solidFill>
+                  <a:schemeClr val="tx1">
+                    <a:lumMod val="75000"/>
+                    <a:lumOff val="25000"/>
+                  </a:schemeClr>
+                </a:solidFill>
+                <a:latin typeface="+mn-lt"/>
+                <a:ea typeface="+mn-ea"/>
+                <a:cs typeface="+mn-cs"/>
+              </a:defRPr>
+            </a:lvl3pPr>
+            <a:lvl4pPr marL="1600200" indent="-228600" algn="l" defTabSz="457200" rtl="0" eaLnBrk="1" latinLnBrk="0" hangingPunct="1">
+              <a:spcBef>
+                <a:spcPts val="1000"/>
+              </a:spcBef>
+              <a:spcAft>
+                <a:spcPts val="0"/>
+              </a:spcAft>
+              <a:buClr>
+                <a:schemeClr val="accent1"/>
+              </a:buClr>
+              <a:buFont typeface="Wingdings 3" charset="2"/>
+              <a:buChar char=""/>
+              <a:defRPr sz="1200" kern="1200">
+                <a:solidFill>
+                  <a:schemeClr val="tx1">
+                    <a:lumMod val="75000"/>
+                    <a:lumOff val="25000"/>
+                  </a:schemeClr>
+                </a:solidFill>
+                <a:latin typeface="+mn-lt"/>
+                <a:ea typeface="+mn-ea"/>
+                <a:cs typeface="+mn-cs"/>
+              </a:defRPr>
+            </a:lvl4pPr>
+            <a:lvl5pPr marL="2057400" indent="-228600" algn="l" defTabSz="457200" rtl="0" eaLnBrk="1" latinLnBrk="0" hangingPunct="1">
+              <a:spcBef>
+                <a:spcPts val="1000"/>
+              </a:spcBef>
+              <a:spcAft>
+                <a:spcPts val="0"/>
+              </a:spcAft>
+              <a:buClr>
+                <a:schemeClr val="accent1"/>
+              </a:buClr>
+              <a:buFont typeface="Wingdings 3" charset="2"/>
+              <a:buChar char=""/>
+              <a:defRPr sz="1200" kern="1200">
+                <a:solidFill>
+                  <a:schemeClr val="tx1">
+                    <a:lumMod val="75000"/>
+                    <a:lumOff val="25000"/>
+                  </a:schemeClr>
+                </a:solidFill>
+                <a:latin typeface="+mn-lt"/>
+                <a:ea typeface="+mn-ea"/>
+                <a:cs typeface="+mn-cs"/>
+              </a:defRPr>
+            </a:lvl5pPr>
+            <a:lvl6pPr marL="2514600" indent="-228600" algn="l" defTabSz="457200" rtl="0" eaLnBrk="1" latinLnBrk="0" hangingPunct="1">
+              <a:spcBef>
+                <a:spcPts val="1000"/>
+              </a:spcBef>
+              <a:spcAft>
+                <a:spcPts val="0"/>
+              </a:spcAft>
+              <a:buClr>
+                <a:schemeClr val="accent1"/>
+              </a:buClr>
+              <a:buFont typeface="Wingdings 3" charset="2"/>
+              <a:buChar char=""/>
+              <a:defRPr sz="1200" kern="1200">
+                <a:solidFill>
+                  <a:schemeClr val="tx1">
+                    <a:lumMod val="75000"/>
+                    <a:lumOff val="25000"/>
+                  </a:schemeClr>
+                </a:solidFill>
+                <a:latin typeface="+mn-lt"/>
+                <a:ea typeface="+mn-ea"/>
+                <a:cs typeface="+mn-cs"/>
+              </a:defRPr>
+            </a:lvl6pPr>
+            <a:lvl7pPr marL="2971800" indent="-228600" algn="l" defTabSz="457200" rtl="0" eaLnBrk="1" latinLnBrk="0" hangingPunct="1">
+              <a:spcBef>
+                <a:spcPts val="1000"/>
+              </a:spcBef>
+              <a:spcAft>
+                <a:spcPts val="0"/>
+              </a:spcAft>
+              <a:buClr>
+                <a:schemeClr val="accent1"/>
+              </a:buClr>
+              <a:buFont typeface="Wingdings 3" charset="2"/>
+              <a:buChar char=""/>
+              <a:defRPr sz="1200" kern="1200">
+                <a:solidFill>
+                  <a:schemeClr val="tx1">
+                    <a:lumMod val="75000"/>
+                    <a:lumOff val="25000"/>
+                  </a:schemeClr>
+                </a:solidFill>
+                <a:latin typeface="+mn-lt"/>
+                <a:ea typeface="+mn-ea"/>
+                <a:cs typeface="+mn-cs"/>
+              </a:defRPr>
+            </a:lvl7pPr>
+            <a:lvl8pPr marL="3429000" indent="-228600" algn="l" defTabSz="457200" rtl="0" eaLnBrk="1" latinLnBrk="0" hangingPunct="1">
+              <a:spcBef>
+                <a:spcPts val="1000"/>
+              </a:spcBef>
+              <a:spcAft>
+                <a:spcPts val="0"/>
+              </a:spcAft>
+              <a:buClr>
+                <a:schemeClr val="accent1"/>
+              </a:buClr>
+              <a:buFont typeface="Wingdings 3" charset="2"/>
+              <a:buChar char=""/>
+              <a:defRPr sz="1200" kern="1200">
+                <a:solidFill>
+                  <a:schemeClr val="tx1">
+                    <a:lumMod val="75000"/>
+                    <a:lumOff val="25000"/>
+                  </a:schemeClr>
+                </a:solidFill>
+                <a:latin typeface="+mn-lt"/>
+                <a:ea typeface="+mn-ea"/>
+                <a:cs typeface="+mn-cs"/>
+              </a:defRPr>
+            </a:lvl8pPr>
+            <a:lvl9pPr marL="3886200" indent="-228600" algn="l" defTabSz="457200" rtl="0" eaLnBrk="1" latinLnBrk="0" hangingPunct="1">
+              <a:spcBef>
+                <a:spcPts val="1000"/>
+              </a:spcBef>
+              <a:spcAft>
+                <a:spcPts val="0"/>
+              </a:spcAft>
+              <a:buClr>
+                <a:schemeClr val="accent1"/>
+              </a:buClr>
+              <a:buFont typeface="Wingdings 3" charset="2"/>
+              <a:buChar char=""/>
+              <a:defRPr sz="1200" kern="1200">
+                <a:solidFill>
+                  <a:schemeClr val="tx1">
+                    <a:lumMod val="75000"/>
+                    <a:lumOff val="25000"/>
+                  </a:schemeClr>
+                </a:solidFill>
+                <a:latin typeface="+mn-lt"/>
+                <a:ea typeface="+mn-ea"/>
+                <a:cs typeface="+mn-cs"/>
+              </a:defRPr>
+            </a:lvl9pPr>
+          </a:lstStyle>
           <a:p>
             <a:r>
               <a:rPr lang="it-IT" dirty="0"/>
-              <a:t>PERFORMANCE	</a:t>
-            </a:r>
-          </a:p>
-          <a:p>
-            <a:pPr marL="0" indent="0">
-              <a:buNone/>
-            </a:pPr>
+              <a:t>Divieto di transito</a:t>
+            </a:r>
+          </a:p>
+          <a:p>
             <a:r>
               <a:rPr lang="it-IT" dirty="0"/>
-              <a:t>Immagini correttamente classificate / immagini totali</a:t>
-            </a:r>
-          </a:p>
-          <a:p>
-            <a:pPr marL="0" indent="0">
-              <a:buNone/>
-            </a:pPr>
+              <a:t>Divieto di transito per autocarri con peso maggiore di 3.5 tonnellate</a:t>
+            </a:r>
+          </a:p>
+          <a:p>
             <a:r>
               <a:rPr lang="it-IT" dirty="0"/>
-              <a:t>					</a:t>
+              <a:t>Senso vietato</a:t>
             </a:r>
           </a:p>
           <a:p>
             <a:r>
               <a:rPr lang="it-IT" dirty="0"/>
-              <a:t>ENVIRONMENT			</a:t>
-            </a:r>
-          </a:p>
-          <a:p>
-            <a:pPr marL="0" indent="0">
-              <a:buNone/>
-            </a:pPr>
+              <a:t>Segnale di pericolo generico</a:t>
+            </a:r>
+          </a:p>
+          <a:p>
             <a:r>
               <a:rPr lang="it-IT" dirty="0"/>
-              <a:t>Dataset (apprendimento) – Collezione di immagini (applicazione)</a:t>
-            </a:r>
-          </a:p>
-          <a:p>
-            <a:endParaRPr lang="it-IT" dirty="0"/>
+              <a:t>Curva pericolosa a sinistra</a:t>
+            </a:r>
           </a:p>
           <a:p>
             <a:r>
               <a:rPr lang="it-IT" dirty="0"/>
-              <a:t>ACTUATORS</a:t>
-            </a:r>
-          </a:p>
-          <a:p>
-            <a:pPr marL="0" indent="0">
-              <a:buNone/>
-            </a:pPr>
+              <a:t>Curva pericolosa a destra</a:t>
+            </a:r>
+          </a:p>
+          <a:p>
             <a:r>
               <a:rPr lang="it-IT" dirty="0"/>
-              <a:t>Aggiornamento di </a:t>
-            </a:r>
-            <a:r>
-              <a:rPr lang="it-IT" dirty="0" err="1"/>
-              <a:t>bias</a:t>
-            </a:r>
+              <a:t>Doppia curva pericolosa</a:t>
+            </a:r>
+          </a:p>
+          <a:p>
             <a:r>
               <a:rPr lang="it-IT" dirty="0"/>
-              <a:t> e neuroni. Classificatore di immagini</a:t>
-            </a:r>
-          </a:p>
-          <a:p>
-            <a:endParaRPr lang="it-IT" dirty="0"/>
+              <a:t>Strada deformata</a:t>
+            </a:r>
           </a:p>
           <a:p>
             <a:r>
               <a:rPr lang="it-IT" dirty="0"/>
-              <a:t>SENSOR</a:t>
-            </a:r>
-          </a:p>
-          <a:p>
-            <a:pPr marL="0" indent="0">
-              <a:buNone/>
-            </a:pPr>
+              <a:t>Banchina cedevole</a:t>
+            </a:r>
+          </a:p>
+          <a:p>
             <a:r>
               <a:rPr lang="it-IT" dirty="0"/>
-              <a:t>Stato corrente del modello. Interfaccia per il caricamento delle immagini</a:t>
-            </a:r>
-          </a:p>
-          <a:p>
-            <a:pPr marL="0" indent="0">
-              <a:buNone/>
-            </a:pPr>
+              <a:t>Strettoia asimmetrica a destra</a:t>
+            </a:r>
+          </a:p>
+          <a:p>
+            <a:r>
+              <a:rPr lang="it-IT" dirty="0"/>
+              <a:t>Lavori in corso</a:t>
+            </a:r>
+          </a:p>
+          <a:p>
+            <a:r>
+              <a:rPr lang="it-IT" dirty="0"/>
+              <a:t>Semaforo verticale</a:t>
+            </a:r>
+          </a:p>
+          <a:p>
+            <a:r>
+              <a:rPr lang="it-IT" dirty="0"/>
+              <a:t>Attraversamento pedonale</a:t>
+            </a:r>
+          </a:p>
+          <a:p>
+            <a:r>
+              <a:rPr lang="it-IT" dirty="0"/>
+              <a:t>Attraversamento di bambini</a:t>
+            </a:r>
+          </a:p>
+          <a:p>
+            <a:r>
+              <a:rPr lang="it-IT" dirty="0"/>
+              <a:t>Attraversamento di biciclette</a:t>
+            </a:r>
+          </a:p>
+          <a:p>
             <a:endParaRPr lang="it-IT" dirty="0"/>
           </a:p>
         </p:txBody>
@@ -9405,7 +10642,7 @@
     </p:spTree>
     <p:extLst>
       <p:ext uri="{BB962C8B-B14F-4D97-AF65-F5344CB8AC3E}">
-        <p14:creationId xmlns:p14="http://schemas.microsoft.com/office/powerpoint/2010/main" val="2529430884"/>
+        <p14:creationId xmlns:p14="http://schemas.microsoft.com/office/powerpoint/2010/main" val="156116423"/>
       </p:ext>
     </p:extLst>
   </p:cSld>
@@ -9434,10 +10671,10 @@
       </p:grpSpPr>
       <p:sp>
         <p:nvSpPr>
-          <p:cNvPr id="2" name="Titolo 1">
+          <p:cNvPr id="3" name="Segnaposto contenuto 2">
             <a:extLst>
               <a:ext uri="{FF2B5EF4-FFF2-40B4-BE49-F238E27FC236}">
-                <a16:creationId xmlns:a16="http://schemas.microsoft.com/office/drawing/2014/main" id="{A53F6259-EFD7-2ED2-7FC1-6AE2D02B7C98}"/>
+                <a16:creationId xmlns:a16="http://schemas.microsoft.com/office/drawing/2014/main" id="{1E24AC0D-B051-5EB1-3B8C-74C266433560}"/>
               </a:ext>
             </a:extLst>
           </p:cNvPr>
@@ -9445,60 +10682,397 @@
             <a:spLocks noGrp="1"/>
           </p:cNvSpPr>
           <p:nvPr>
-            <p:ph type="title"/>
-          </p:nvPr>
-        </p:nvSpPr>
-        <p:spPr/>
-        <p:txBody>
-          <a:bodyPr/>
+            <p:ph idx="1"/>
+          </p:nvPr>
+        </p:nvSpPr>
+        <p:spPr>
+          <a:xfrm>
+            <a:off x="3121059" y="1032589"/>
+            <a:ext cx="5220510" cy="5593556"/>
+          </a:xfrm>
+        </p:spPr>
+        <p:txBody>
+          <a:bodyPr>
+            <a:normAutofit lnSpcReduction="10000"/>
+          </a:bodyPr>
           <a:lstStyle/>
           <a:p>
             <a:r>
               <a:rPr lang="it-IT" dirty="0"/>
-              <a:t>3. Struttura dell’agente</a:t>
-            </a:r>
-          </a:p>
-        </p:txBody>
-      </p:sp>
-      <p:pic>
-        <p:nvPicPr>
-          <p:cNvPr id="5" name="Segnaposto contenuto 4">
+              <a:t>Pericolo di ghiaccio/neve</a:t>
+            </a:r>
+          </a:p>
+          <a:p>
+            <a:r>
+              <a:rPr lang="it-IT" dirty="0"/>
+              <a:t>Attraversamento animali selvatici</a:t>
+            </a:r>
+          </a:p>
+          <a:p>
+            <a:r>
+              <a:rPr lang="it-IT" dirty="0"/>
+              <a:t>Fine divieto</a:t>
+            </a:r>
+          </a:p>
+          <a:p>
+            <a:r>
+              <a:rPr lang="it-IT" dirty="0"/>
+              <a:t>Obbligo di svoltare a destra</a:t>
+            </a:r>
+          </a:p>
+          <a:p>
+            <a:r>
+              <a:rPr lang="it-IT" dirty="0"/>
+              <a:t>Obbligo di svoltare a sinistra</a:t>
+            </a:r>
+          </a:p>
+          <a:p>
+            <a:r>
+              <a:rPr lang="it-IT" dirty="0"/>
+              <a:t>Obbligo di proseguire diritto</a:t>
+            </a:r>
+          </a:p>
+          <a:p>
+            <a:r>
+              <a:rPr lang="it-IT" dirty="0"/>
+              <a:t>Obbligo di proseguire diritto o svoltare a destra</a:t>
+            </a:r>
+          </a:p>
+          <a:p>
+            <a:r>
+              <a:rPr lang="it-IT" dirty="0"/>
+              <a:t>Obbligo di proseguire diritto o svoltare a sinistra</a:t>
+            </a:r>
+          </a:p>
+          <a:p>
+            <a:r>
+              <a:rPr lang="it-IT" dirty="0"/>
+              <a:t>Obbligo di sorpasso a destra</a:t>
+            </a:r>
+          </a:p>
+          <a:p>
+            <a:r>
+              <a:rPr lang="it-IT" dirty="0"/>
+              <a:t>Obbligo di sorpasso a sinistra</a:t>
+            </a:r>
+          </a:p>
+          <a:p>
+            <a:r>
+              <a:rPr lang="it-IT" dirty="0"/>
+              <a:t>Rotatoria</a:t>
+            </a:r>
+          </a:p>
+          <a:p>
+            <a:r>
+              <a:rPr lang="it-IT" dirty="0"/>
+              <a:t>Fine divieto di sorpasso</a:t>
+            </a:r>
+          </a:p>
+          <a:p>
+            <a:r>
+              <a:rPr lang="it-IT" dirty="0"/>
+              <a:t>Fine divieto di sorpasso per autocarri con peso maggiore di 3.5 tonnellate</a:t>
+            </a:r>
+          </a:p>
+          <a:p>
+            <a:endParaRPr lang="it-IT" dirty="0"/>
+          </a:p>
+        </p:txBody>
+      </p:sp>
+      <p:sp>
+        <p:nvSpPr>
+          <p:cNvPr id="4" name="Titolo 1">
             <a:extLst>
               <a:ext uri="{FF2B5EF4-FFF2-40B4-BE49-F238E27FC236}">
-                <a16:creationId xmlns:a16="http://schemas.microsoft.com/office/drawing/2014/main" id="{5A558136-CCF3-55AC-54AE-98C8DA8D53B9}"/>
+                <a16:creationId xmlns:a16="http://schemas.microsoft.com/office/drawing/2014/main" id="{9A89A92E-689F-1FD9-FC01-6FF5ECA95647}"/>
               </a:ext>
             </a:extLst>
           </p:cNvPr>
-          <p:cNvPicPr>
-            <a:picLocks noGrp="1" noChangeAspect="1"/>
-          </p:cNvPicPr>
-          <p:nvPr>
-            <p:ph idx="1"/>
-          </p:nvPr>
-        </p:nvPicPr>
-        <p:blipFill>
-          <a:blip r:embed="rId2">
+          <p:cNvSpPr>
+            <a:spLocks noGrp="1"/>
+          </p:cNvSpPr>
+          <p:nvPr>
+            <p:ph type="title"/>
+          </p:nvPr>
+        </p:nvSpPr>
+        <p:spPr>
+          <a:xfrm>
+            <a:off x="2340462" y="255475"/>
+            <a:ext cx="8912225" cy="777114"/>
+          </a:xfrm>
+        </p:spPr>
+        <p:txBody>
+          <a:bodyPr/>
+          <a:lstStyle/>
+          <a:p>
+            <a:r>
+              <a:rPr lang="it-IT" dirty="0"/>
+              <a:t>1.1 Le categorie</a:t>
+            </a:r>
+          </a:p>
+        </p:txBody>
+      </p:sp>
+      <p:sp>
+        <p:nvSpPr>
+          <p:cNvPr id="5" name="Segnaposto contenuto 2">
             <a:extLst>
-              <a:ext uri="{28A0092B-C50C-407E-A947-70E740481C1C}">
-                <a14:useLocalDpi xmlns:a14="http://schemas.microsoft.com/office/drawing/2010/main" val="0"/>
+              <a:ext uri="{FF2B5EF4-FFF2-40B4-BE49-F238E27FC236}">
+                <a16:creationId xmlns:a16="http://schemas.microsoft.com/office/drawing/2014/main" id="{122D86C9-8E3D-60B2-4D3B-C90A26B5FC57}"/>
               </a:ext>
             </a:extLst>
-          </a:blip>
-          <a:stretch>
-            <a:fillRect/>
-          </a:stretch>
-        </p:blipFill>
+          </p:cNvPr>
+          <p:cNvSpPr txBox="1">
+            <a:spLocks/>
+          </p:cNvSpPr>
+          <p:nvPr/>
+        </p:nvSpPr>
         <p:spPr>
           <a:xfrm>
-            <a:off x="1855401" y="1306286"/>
-            <a:ext cx="8830482" cy="5206482"/>
+            <a:off x="5913243" y="1259925"/>
+            <a:ext cx="5220510" cy="5593556"/>
           </a:xfrm>
+          <a:prstGeom prst="rect">
+            <a:avLst/>
+          </a:prstGeom>
         </p:spPr>
-      </p:pic>
+        <p:txBody>
+          <a:bodyPr vert="horz" lIns="91440" tIns="45720" rIns="91440" bIns="45720" rtlCol="0">
+            <a:normAutofit/>
+          </a:bodyPr>
+          <a:lstStyle>
+            <a:lvl1pPr marL="342900" indent="-342900" algn="l" defTabSz="457200" rtl="0" eaLnBrk="1" latinLnBrk="0" hangingPunct="1">
+              <a:spcBef>
+                <a:spcPts val="1000"/>
+              </a:spcBef>
+              <a:spcAft>
+                <a:spcPts val="0"/>
+              </a:spcAft>
+              <a:buClr>
+                <a:schemeClr val="accent1"/>
+              </a:buClr>
+              <a:buFont typeface="Wingdings 3" charset="2"/>
+              <a:buChar char=""/>
+              <a:defRPr sz="1800" kern="1200">
+                <a:solidFill>
+                  <a:schemeClr val="tx1">
+                    <a:lumMod val="75000"/>
+                    <a:lumOff val="25000"/>
+                  </a:schemeClr>
+                </a:solidFill>
+                <a:latin typeface="+mn-lt"/>
+                <a:ea typeface="+mn-ea"/>
+                <a:cs typeface="+mn-cs"/>
+              </a:defRPr>
+            </a:lvl1pPr>
+            <a:lvl2pPr marL="742950" indent="-285750" algn="l" defTabSz="457200" rtl="0" eaLnBrk="1" latinLnBrk="0" hangingPunct="1">
+              <a:spcBef>
+                <a:spcPts val="1000"/>
+              </a:spcBef>
+              <a:spcAft>
+                <a:spcPts val="0"/>
+              </a:spcAft>
+              <a:buClr>
+                <a:schemeClr val="accent1"/>
+              </a:buClr>
+              <a:buFont typeface="Wingdings 3" charset="2"/>
+              <a:buChar char=""/>
+              <a:defRPr sz="1600" kern="1200">
+                <a:solidFill>
+                  <a:schemeClr val="tx1">
+                    <a:lumMod val="75000"/>
+                    <a:lumOff val="25000"/>
+                  </a:schemeClr>
+                </a:solidFill>
+                <a:latin typeface="+mn-lt"/>
+                <a:ea typeface="+mn-ea"/>
+                <a:cs typeface="+mn-cs"/>
+              </a:defRPr>
+            </a:lvl2pPr>
+            <a:lvl3pPr marL="1143000" indent="-228600" algn="l" defTabSz="457200" rtl="0" eaLnBrk="1" latinLnBrk="0" hangingPunct="1">
+              <a:spcBef>
+                <a:spcPts val="1000"/>
+              </a:spcBef>
+              <a:spcAft>
+                <a:spcPts val="0"/>
+              </a:spcAft>
+              <a:buClr>
+                <a:schemeClr val="accent1"/>
+              </a:buClr>
+              <a:buFont typeface="Wingdings 3" charset="2"/>
+              <a:buChar char=""/>
+              <a:defRPr sz="1400" kern="1200">
+                <a:solidFill>
+                  <a:schemeClr val="tx1">
+                    <a:lumMod val="75000"/>
+                    <a:lumOff val="25000"/>
+                  </a:schemeClr>
+                </a:solidFill>
+                <a:latin typeface="+mn-lt"/>
+                <a:ea typeface="+mn-ea"/>
+                <a:cs typeface="+mn-cs"/>
+              </a:defRPr>
+            </a:lvl3pPr>
+            <a:lvl4pPr marL="1600200" indent="-228600" algn="l" defTabSz="457200" rtl="0" eaLnBrk="1" latinLnBrk="0" hangingPunct="1">
+              <a:spcBef>
+                <a:spcPts val="1000"/>
+              </a:spcBef>
+              <a:spcAft>
+                <a:spcPts val="0"/>
+              </a:spcAft>
+              <a:buClr>
+                <a:schemeClr val="accent1"/>
+              </a:buClr>
+              <a:buFont typeface="Wingdings 3" charset="2"/>
+              <a:buChar char=""/>
+              <a:defRPr sz="1200" kern="1200">
+                <a:solidFill>
+                  <a:schemeClr val="tx1">
+                    <a:lumMod val="75000"/>
+                    <a:lumOff val="25000"/>
+                  </a:schemeClr>
+                </a:solidFill>
+                <a:latin typeface="+mn-lt"/>
+                <a:ea typeface="+mn-ea"/>
+                <a:cs typeface="+mn-cs"/>
+              </a:defRPr>
+            </a:lvl4pPr>
+            <a:lvl5pPr marL="2057400" indent="-228600" algn="l" defTabSz="457200" rtl="0" eaLnBrk="1" latinLnBrk="0" hangingPunct="1">
+              <a:spcBef>
+                <a:spcPts val="1000"/>
+              </a:spcBef>
+              <a:spcAft>
+                <a:spcPts val="0"/>
+              </a:spcAft>
+              <a:buClr>
+                <a:schemeClr val="accent1"/>
+              </a:buClr>
+              <a:buFont typeface="Wingdings 3" charset="2"/>
+              <a:buChar char=""/>
+              <a:defRPr sz="1200" kern="1200">
+                <a:solidFill>
+                  <a:schemeClr val="tx1">
+                    <a:lumMod val="75000"/>
+                    <a:lumOff val="25000"/>
+                  </a:schemeClr>
+                </a:solidFill>
+                <a:latin typeface="+mn-lt"/>
+                <a:ea typeface="+mn-ea"/>
+                <a:cs typeface="+mn-cs"/>
+              </a:defRPr>
+            </a:lvl5pPr>
+            <a:lvl6pPr marL="2514600" indent="-228600" algn="l" defTabSz="457200" rtl="0" eaLnBrk="1" latinLnBrk="0" hangingPunct="1">
+              <a:spcBef>
+                <a:spcPts val="1000"/>
+              </a:spcBef>
+              <a:spcAft>
+                <a:spcPts val="0"/>
+              </a:spcAft>
+              <a:buClr>
+                <a:schemeClr val="accent1"/>
+              </a:buClr>
+              <a:buFont typeface="Wingdings 3" charset="2"/>
+              <a:buChar char=""/>
+              <a:defRPr sz="1200" kern="1200">
+                <a:solidFill>
+                  <a:schemeClr val="tx1">
+                    <a:lumMod val="75000"/>
+                    <a:lumOff val="25000"/>
+                  </a:schemeClr>
+                </a:solidFill>
+                <a:latin typeface="+mn-lt"/>
+                <a:ea typeface="+mn-ea"/>
+                <a:cs typeface="+mn-cs"/>
+              </a:defRPr>
+            </a:lvl6pPr>
+            <a:lvl7pPr marL="2971800" indent="-228600" algn="l" defTabSz="457200" rtl="0" eaLnBrk="1" latinLnBrk="0" hangingPunct="1">
+              <a:spcBef>
+                <a:spcPts val="1000"/>
+              </a:spcBef>
+              <a:spcAft>
+                <a:spcPts val="0"/>
+              </a:spcAft>
+              <a:buClr>
+                <a:schemeClr val="accent1"/>
+              </a:buClr>
+              <a:buFont typeface="Wingdings 3" charset="2"/>
+              <a:buChar char=""/>
+              <a:defRPr sz="1200" kern="1200">
+                <a:solidFill>
+                  <a:schemeClr val="tx1">
+                    <a:lumMod val="75000"/>
+                    <a:lumOff val="25000"/>
+                  </a:schemeClr>
+                </a:solidFill>
+                <a:latin typeface="+mn-lt"/>
+                <a:ea typeface="+mn-ea"/>
+                <a:cs typeface="+mn-cs"/>
+              </a:defRPr>
+            </a:lvl7pPr>
+            <a:lvl8pPr marL="3429000" indent="-228600" algn="l" defTabSz="457200" rtl="0" eaLnBrk="1" latinLnBrk="0" hangingPunct="1">
+              <a:spcBef>
+                <a:spcPts val="1000"/>
+              </a:spcBef>
+              <a:spcAft>
+                <a:spcPts val="0"/>
+              </a:spcAft>
+              <a:buClr>
+                <a:schemeClr val="accent1"/>
+              </a:buClr>
+              <a:buFont typeface="Wingdings 3" charset="2"/>
+              <a:buChar char=""/>
+              <a:defRPr sz="1200" kern="1200">
+                <a:solidFill>
+                  <a:schemeClr val="tx1">
+                    <a:lumMod val="75000"/>
+                    <a:lumOff val="25000"/>
+                  </a:schemeClr>
+                </a:solidFill>
+                <a:latin typeface="+mn-lt"/>
+                <a:ea typeface="+mn-ea"/>
+                <a:cs typeface="+mn-cs"/>
+              </a:defRPr>
+            </a:lvl8pPr>
+            <a:lvl9pPr marL="3886200" indent="-228600" algn="l" defTabSz="457200" rtl="0" eaLnBrk="1" latinLnBrk="0" hangingPunct="1">
+              <a:spcBef>
+                <a:spcPts val="1000"/>
+              </a:spcBef>
+              <a:spcAft>
+                <a:spcPts val="0"/>
+              </a:spcAft>
+              <a:buClr>
+                <a:schemeClr val="accent1"/>
+              </a:buClr>
+              <a:buFont typeface="Wingdings 3" charset="2"/>
+              <a:buChar char=""/>
+              <a:defRPr sz="1200" kern="1200">
+                <a:solidFill>
+                  <a:schemeClr val="tx1">
+                    <a:lumMod val="75000"/>
+                    <a:lumOff val="25000"/>
+                  </a:schemeClr>
+                </a:solidFill>
+                <a:latin typeface="+mn-lt"/>
+                <a:ea typeface="+mn-ea"/>
+                <a:cs typeface="+mn-cs"/>
+              </a:defRPr>
+            </a:lvl9pPr>
+          </a:lstStyle>
+          <a:p>
+            <a:pPr marL="342900" lvl="0" indent="-342900">
+              <a:lnSpc>
+                <a:spcPct val="150000"/>
+              </a:lnSpc>
+              <a:buFont typeface="Symbol" panose="05050102010706020507" pitchFamily="18" charset="2"/>
+              <a:buChar char=""/>
+            </a:pPr>
+            <a:endParaRPr lang="it-IT" dirty="0"/>
+          </a:p>
+        </p:txBody>
+      </p:sp>
     </p:spTree>
     <p:extLst>
       <p:ext uri="{BB962C8B-B14F-4D97-AF65-F5344CB8AC3E}">
-        <p14:creationId xmlns:p14="http://schemas.microsoft.com/office/powerpoint/2010/main" val="1749478051"/>
+        <p14:creationId xmlns:p14="http://schemas.microsoft.com/office/powerpoint/2010/main" val="2627188939"/>
       </p:ext>
     </p:extLst>
   </p:cSld>
@@ -9530,7 +11104,7 @@
           <p:cNvPr id="2" name="Titolo 1">
             <a:extLst>
               <a:ext uri="{FF2B5EF4-FFF2-40B4-BE49-F238E27FC236}">
-                <a16:creationId xmlns:a16="http://schemas.microsoft.com/office/drawing/2014/main" id="{FF944A28-0241-912E-E90C-DB318F8DBDAD}"/>
+                <a16:creationId xmlns:a16="http://schemas.microsoft.com/office/drawing/2014/main" id="{06B063FE-B346-000F-F2D9-80D996A1EB4B}"/>
               </a:ext>
             </a:extLst>
           </p:cNvPr>
@@ -9548,7 +11122,7 @@
           <a:p>
             <a:r>
               <a:rPr lang="it-IT" dirty="0"/>
-              <a:t>4. Algoritmo</a:t>
+              <a:t>2. Specifica PEAS</a:t>
             </a:r>
           </a:p>
         </p:txBody>
@@ -9558,7 +11132,7 @@
           <p:cNvPr id="3" name="Segnaposto contenuto 2">
             <a:extLst>
               <a:ext uri="{FF2B5EF4-FFF2-40B4-BE49-F238E27FC236}">
-                <a16:creationId xmlns:a16="http://schemas.microsoft.com/office/drawing/2014/main" id="{1B666DF8-51CF-4A04-0743-3B6D325B7B00}"/>
+                <a16:creationId xmlns:a16="http://schemas.microsoft.com/office/drawing/2014/main" id="{10754398-43C9-7801-EB14-8C83627174A7}"/>
               </a:ext>
             </a:extLst>
           </p:cNvPr>
@@ -9571,8 +11145,8 @@
         </p:nvSpPr>
         <p:spPr>
           <a:xfrm>
-            <a:off x="2122682" y="1611085"/>
-            <a:ext cx="8915400" cy="4257869"/>
+            <a:off x="1614196" y="1520890"/>
+            <a:ext cx="10105052" cy="4786604"/>
           </a:xfrm>
         </p:spPr>
         <p:txBody>
@@ -9583,66 +11157,85 @@
           <a:p>
             <a:r>
               <a:rPr lang="it-IT" dirty="0"/>
-              <a:t>La rete convoluzionale è risultato l’algoritmo migliore per questa tipologia di progetto</a:t>
-            </a:r>
-          </a:p>
-          <a:p>
-            <a:r>
-              <a:rPr lang="it-IT" dirty="0"/>
-              <a:t>Motivazioni:</a:t>
-            </a:r>
-          </a:p>
-          <a:p>
-            <a:pPr lvl="1">
-              <a:buFont typeface="Arial" panose="020B0604020202020204" pitchFamily="34" charset="0"/>
-              <a:buChar char="•"/>
-            </a:pPr>
-            <a:r>
-              <a:rPr lang="it-IT" dirty="0"/>
-              <a:t>L’algoritmo CNN è progettato per riconoscere immagini in modo diretto non richiedendo una grande quantità di preprocessing.</a:t>
-            </a:r>
-          </a:p>
-          <a:p>
-            <a:pPr lvl="1">
-              <a:buFont typeface="Arial" panose="020B0604020202020204" pitchFamily="34" charset="0"/>
-              <a:buChar char="•"/>
-            </a:pPr>
-            <a:r>
-              <a:rPr lang="it-IT" dirty="0"/>
-              <a:t>La caratteristica principale dello strato di convoluzione è quella di estrarre le feature di ogni immagine che verranno utilizzate per calcolare i punti in comune in fase di apprendimento</a:t>
-            </a:r>
-          </a:p>
-          <a:p>
-            <a:pPr lvl="1">
-              <a:buFont typeface="Arial" panose="020B0604020202020204" pitchFamily="34" charset="0"/>
-              <a:buChar char="•"/>
-            </a:pPr>
-            <a:r>
-              <a:rPr lang="it-IT" dirty="0"/>
-              <a:t>I punti in questione sono dei pattern grafici, come ad esempio curve, angoli, circonferenze, quadrati.</a:t>
-            </a:r>
-          </a:p>
-          <a:p>
-            <a:pPr lvl="1">
-              <a:buFont typeface="Arial" panose="020B0604020202020204" pitchFamily="34" charset="0"/>
-              <a:buChar char="•"/>
-            </a:pPr>
-            <a:r>
-              <a:rPr lang="it-IT" dirty="0"/>
-              <a:t>Tali punti verranno usati per assegnare a ciascuna immagine la categoria alla quale appartiene.</a:t>
-            </a:r>
-          </a:p>
-          <a:p>
-            <a:pPr marL="457200" lvl="1" indent="0">
+              <a:t>PERFORMANCE	</a:t>
+            </a:r>
+          </a:p>
+          <a:p>
+            <a:pPr marL="0" indent="0">
               <a:buNone/>
             </a:pPr>
             <a:r>
               <a:rPr lang="it-IT" dirty="0"/>
-              <a:t> </a:t>
+              <a:t>Immagini correttamente classificate / immagini totali</a:t>
+            </a:r>
+          </a:p>
+          <a:p>
+            <a:pPr marL="0" indent="0">
+              <a:buNone/>
+            </a:pPr>
+            <a:r>
+              <a:rPr lang="it-IT" dirty="0"/>
+              <a:t>					</a:t>
+            </a:r>
+          </a:p>
+          <a:p>
+            <a:r>
+              <a:rPr lang="it-IT" dirty="0"/>
+              <a:t>ENVIRONMENT			</a:t>
+            </a:r>
+          </a:p>
+          <a:p>
+            <a:pPr marL="0" indent="0">
+              <a:buNone/>
+            </a:pPr>
+            <a:r>
+              <a:rPr lang="it-IT" dirty="0"/>
+              <a:t>Dataset (apprendimento) – Collezione di immagini (applicazione)</a:t>
             </a:r>
           </a:p>
           <a:p>
             <a:endParaRPr lang="it-IT" dirty="0"/>
+          </a:p>
+          <a:p>
+            <a:r>
+              <a:rPr lang="it-IT" dirty="0"/>
+              <a:t>ACTUATORS</a:t>
+            </a:r>
+          </a:p>
+          <a:p>
+            <a:pPr marL="0" indent="0">
+              <a:buNone/>
+            </a:pPr>
+            <a:r>
+              <a:rPr lang="it-IT" dirty="0"/>
+              <a:t>Aggiornamento di </a:t>
+            </a:r>
+            <a:r>
+              <a:rPr lang="it-IT" dirty="0" err="1"/>
+              <a:t>bias</a:t>
+            </a:r>
+            <a:r>
+              <a:rPr lang="it-IT" dirty="0"/>
+              <a:t> e neuroni. Classificatore di immagini</a:t>
+            </a:r>
+          </a:p>
+          <a:p>
+            <a:endParaRPr lang="it-IT" dirty="0"/>
+          </a:p>
+          <a:p>
+            <a:r>
+              <a:rPr lang="it-IT" dirty="0"/>
+              <a:t>SENSOR</a:t>
+            </a:r>
+          </a:p>
+          <a:p>
+            <a:pPr marL="0" indent="0">
+              <a:buNone/>
+            </a:pPr>
+            <a:r>
+              <a:rPr lang="it-IT" dirty="0"/>
+              <a:t>Stato corrente del modello. Interfaccia per il caricamento delle immagini</a:t>
+            </a:r>
           </a:p>
           <a:p>
             <a:pPr marL="0" indent="0">
@@ -9655,7 +11248,7 @@
     </p:spTree>
     <p:extLst>
       <p:ext uri="{BB962C8B-B14F-4D97-AF65-F5344CB8AC3E}">
-        <p14:creationId xmlns:p14="http://schemas.microsoft.com/office/powerpoint/2010/main" val="1835196440"/>
+        <p14:creationId xmlns:p14="http://schemas.microsoft.com/office/powerpoint/2010/main" val="2529430884"/>
       </p:ext>
     </p:extLst>
   </p:cSld>
@@ -9687,7 +11280,7 @@
           <p:cNvPr id="2" name="Titolo 1">
             <a:extLst>
               <a:ext uri="{FF2B5EF4-FFF2-40B4-BE49-F238E27FC236}">
-                <a16:creationId xmlns:a16="http://schemas.microsoft.com/office/drawing/2014/main" id="{605F6E8D-C07E-ECBC-FDE4-D43F4FC5E857}"/>
+                <a16:creationId xmlns:a16="http://schemas.microsoft.com/office/drawing/2014/main" id="{A53F6259-EFD7-2ED2-7FC1-6AE2D02B7C98}"/>
               </a:ext>
             </a:extLst>
           </p:cNvPr>
@@ -9705,199 +11298,50 @@
           <a:p>
             <a:r>
               <a:rPr lang="it-IT" dirty="0"/>
-              <a:t>4. Algoritmo</a:t>
-            </a:r>
-          </a:p>
-        </p:txBody>
-      </p:sp>
-      <p:sp>
-        <p:nvSpPr>
-          <p:cNvPr id="3" name="Segnaposto contenuto 2">
+              <a:t>3. Struttura dell’agente</a:t>
+            </a:r>
+          </a:p>
+        </p:txBody>
+      </p:sp>
+      <p:pic>
+        <p:nvPicPr>
+          <p:cNvPr id="5" name="Segnaposto contenuto 4">
             <a:extLst>
               <a:ext uri="{FF2B5EF4-FFF2-40B4-BE49-F238E27FC236}">
-                <a16:creationId xmlns:a16="http://schemas.microsoft.com/office/drawing/2014/main" id="{5ADD0DD2-3690-1C98-93AA-A6084C4600CC}"/>
+                <a16:creationId xmlns:a16="http://schemas.microsoft.com/office/drawing/2014/main" id="{5A558136-CCF3-55AC-54AE-98C8DA8D53B9}"/>
               </a:ext>
             </a:extLst>
           </p:cNvPr>
-          <p:cNvSpPr>
-            <a:spLocks noGrp="1"/>
-          </p:cNvSpPr>
+          <p:cNvPicPr>
+            <a:picLocks noGrp="1" noChangeAspect="1"/>
+          </p:cNvPicPr>
           <p:nvPr>
             <p:ph idx="1"/>
           </p:nvPr>
-        </p:nvSpPr>
+        </p:nvPicPr>
+        <p:blipFill>
+          <a:blip r:embed="rId2">
+            <a:extLst>
+              <a:ext uri="{28A0092B-C50C-407E-A947-70E740481C1C}">
+                <a14:useLocalDpi xmlns:a14="http://schemas.microsoft.com/office/drawing/2010/main" val="0"/>
+              </a:ext>
+            </a:extLst>
+          </a:blip>
+          <a:stretch>
+            <a:fillRect/>
+          </a:stretch>
+        </p:blipFill>
         <p:spPr>
           <a:xfrm>
-            <a:off x="1758788" y="1452464"/>
-            <a:ext cx="8915400" cy="4668417"/>
+            <a:off x="1855401" y="1306286"/>
+            <a:ext cx="8830482" cy="5206482"/>
           </a:xfrm>
         </p:spPr>
-        <p:txBody>
-          <a:bodyPr/>
-          <a:lstStyle/>
-          <a:p>
-            <a:r>
-              <a:rPr lang="it-IT" sz="2000" dirty="0"/>
-              <a:t>Definizione dei </a:t>
-            </a:r>
-            <a:r>
-              <a:rPr lang="it-IT" sz="2000" dirty="0" err="1"/>
-              <a:t>layers</a:t>
-            </a:r>
-            <a:r>
-              <a:rPr lang="it-IT" dirty="0"/>
-              <a:t>:</a:t>
-            </a:r>
-          </a:p>
-          <a:p>
-            <a:pPr>
-              <a:buFont typeface="+mj-lt"/>
-              <a:buAutoNum type="arabicPeriod"/>
-            </a:pPr>
-            <a:r>
-              <a:rPr lang="it-IT" b="1" dirty="0"/>
-              <a:t>Conv2D</a:t>
-            </a:r>
-            <a:r>
-              <a:rPr lang="it-IT" dirty="0"/>
-              <a:t>: Il </a:t>
-            </a:r>
-            <a:r>
-              <a:rPr lang="it-IT" dirty="0" err="1"/>
-              <a:t>layer</a:t>
-            </a:r>
-            <a:r>
-              <a:rPr lang="it-IT" dirty="0"/>
-              <a:t> di convoluzione che si occupa di estrarre </a:t>
-            </a:r>
-            <a:r>
-              <a:rPr lang="it-IT"/>
-              <a:t>le features </a:t>
-            </a:r>
-            <a:r>
-              <a:rPr lang="it-IT" dirty="0"/>
-              <a:t>e attraverso il kernel (la matrice) con cui viene convoluto l’input per ottenere una feature </a:t>
-            </a:r>
-            <a:r>
-              <a:rPr lang="it-IT" dirty="0" err="1"/>
-              <a:t>map</a:t>
-            </a:r>
-            <a:r>
-              <a:rPr lang="it-IT" dirty="0"/>
-              <a:t>.</a:t>
-            </a:r>
-          </a:p>
-          <a:p>
-            <a:pPr>
-              <a:buFont typeface="+mj-lt"/>
-              <a:buAutoNum type="arabicPeriod"/>
-            </a:pPr>
-            <a:r>
-              <a:rPr lang="it-IT" b="1" dirty="0"/>
-              <a:t>MaxPool2D</a:t>
-            </a:r>
-            <a:r>
-              <a:rPr lang="it-IT" dirty="0"/>
-              <a:t>: si occupa di calcolare il valore massimo per ciascuna feature </a:t>
-            </a:r>
-            <a:r>
-              <a:rPr lang="it-IT" dirty="0" err="1"/>
-              <a:t>map</a:t>
-            </a:r>
-            <a:r>
-              <a:rPr lang="it-IT" dirty="0"/>
-              <a:t>. Crea una rappresentazione che comprende i valori qui presenti. </a:t>
-            </a:r>
-          </a:p>
-          <a:p>
-            <a:pPr>
-              <a:buFont typeface="+mj-lt"/>
-              <a:buAutoNum type="arabicPeriod"/>
-            </a:pPr>
-            <a:r>
-              <a:rPr lang="it-IT" b="1" dirty="0" err="1"/>
-              <a:t>Flatten</a:t>
-            </a:r>
-            <a:r>
-              <a:rPr lang="it-IT" dirty="0"/>
-              <a:t>: il </a:t>
-            </a:r>
-            <a:r>
-              <a:rPr lang="it-IT" dirty="0" err="1"/>
-              <a:t>layer</a:t>
-            </a:r>
-            <a:r>
-              <a:rPr lang="it-IT" dirty="0"/>
-              <a:t> che si occupa di rimuovere tutte le dimensioni dopo i </a:t>
-            </a:r>
-            <a:r>
-              <a:rPr lang="it-IT" dirty="0" err="1"/>
-              <a:t>layer</a:t>
-            </a:r>
-            <a:r>
-              <a:rPr lang="it-IT" dirty="0"/>
-              <a:t> di convoluzione (Conv2D, MaxPool2D) tranne una. </a:t>
-            </a:r>
-          </a:p>
-          <a:p>
-            <a:pPr>
-              <a:buFont typeface="+mj-lt"/>
-              <a:buAutoNum type="arabicPeriod"/>
-            </a:pPr>
-            <a:r>
-              <a:rPr lang="it-IT" b="1" dirty="0"/>
-              <a:t>Dropout: </a:t>
-            </a:r>
-            <a:r>
-              <a:rPr lang="it-IT" dirty="0"/>
-              <a:t>dei neuroni selezionati in maniera casuale vengono ignorati durante l’allenamento</a:t>
-            </a:r>
-            <a:r>
-              <a:rPr lang="it-IT" b="1" dirty="0"/>
-              <a:t> </a:t>
-            </a:r>
-          </a:p>
-          <a:p>
-            <a:pPr>
-              <a:buFont typeface="+mj-lt"/>
-              <a:buAutoNum type="arabicPeriod"/>
-            </a:pPr>
-            <a:r>
-              <a:rPr lang="it-IT" b="1" dirty="0"/>
-              <a:t>Dense: </a:t>
-            </a:r>
-            <a:r>
-              <a:rPr lang="it-IT" dirty="0" err="1"/>
-              <a:t>layer</a:t>
-            </a:r>
-            <a:r>
-              <a:rPr lang="it-IT" dirty="0"/>
-              <a:t> composto da </a:t>
-            </a:r>
-            <a:r>
-              <a:rPr lang="it-IT" b="1" dirty="0"/>
-              <a:t>n </a:t>
-            </a:r>
-            <a:r>
-              <a:rPr lang="it-IT" dirty="0"/>
-              <a:t>neuroni in cui gli input vengono pesati e, assieme al </a:t>
-            </a:r>
-            <a:r>
-              <a:rPr lang="it-IT" dirty="0" err="1"/>
-              <a:t>bias</a:t>
-            </a:r>
-            <a:r>
-              <a:rPr lang="it-IT" dirty="0"/>
-              <a:t>, vengono trasferiti attraverso la funzione di attivazione dell’output. </a:t>
-            </a:r>
-            <a:endParaRPr lang="it-IT" b="1" dirty="0"/>
-          </a:p>
-        </p:txBody>
-      </p:sp>
+      </p:pic>
     </p:spTree>
     <p:extLst>
       <p:ext uri="{BB962C8B-B14F-4D97-AF65-F5344CB8AC3E}">
-        <p14:creationId xmlns:p14="http://schemas.microsoft.com/office/powerpoint/2010/main" val="441261301"/>
+        <p14:creationId xmlns:p14="http://schemas.microsoft.com/office/powerpoint/2010/main" val="1749478051"/>
       </p:ext>
     </p:extLst>
   </p:cSld>
